--- a/2-课堂汇报/实验一汇报_麦梓健.pptx
+++ b/2-课堂汇报/实验一汇报_麦梓健.pptx
@@ -7,7 +7,7 @@
     <p:sldMasterId id="2147483710" r:id="rId3"/>
   </p:sldMasterIdLst>
   <p:notesMasterIdLst>
-    <p:notesMasterId r:id="rId16"/>
+    <p:notesMasterId r:id="rId18"/>
   </p:notesMasterIdLst>
   <p:sldIdLst>
     <p:sldId id="7573" r:id="rId4"/>
@@ -21,12 +21,14 @@
     <p:sldId id="7599" r:id="rId12"/>
     <p:sldId id="7616" r:id="rId13"/>
     <p:sldId id="7619" r:id="rId14"/>
-    <p:sldId id="7602" r:id="rId15"/>
+    <p:sldId id="7620" r:id="rId15"/>
+    <p:sldId id="7621" r:id="rId16"/>
+    <p:sldId id="7602" r:id="rId17"/>
   </p:sldIdLst>
   <p:sldSz cx="12188825" cy="6858000"/>
   <p:notesSz cx="6858000" cy="9144000"/>
   <p:custDataLst>
-    <p:tags r:id="rId17"/>
+    <p:tags r:id="rId19"/>
   </p:custDataLst>
   <p:defaultTextStyle>
     <a:defPPr>
@@ -797,7 +799,7 @@
           <a:p>
             <a:fld id="{58998766-6A9C-4F2F-8D78-A8B7F422C2B3}" type="slidenum">
               <a:rPr lang="zh-CN" altLang="en-US" smtClean="0"/>
-              <a:t>12</a:t>
+              <a:t>14</a:t>
             </a:fld>
             <a:endParaRPr lang="zh-CN" altLang="en-US"/>
           </a:p>
@@ -7656,8 +7658,8 @@
         </p:nvSpPr>
         <p:spPr>
           <a:xfrm>
-            <a:off x="2078474" y="2609215"/>
-            <a:ext cx="6962155" cy="646331"/>
+            <a:off x="126458" y="2684311"/>
+            <a:ext cx="9568395" cy="646331"/>
           </a:xfrm>
           <a:prstGeom prst="rect">
             <a:avLst/>
@@ -7678,7 +7680,21 @@
                 <a:latin typeface="Microsoft YaHei" panose="020B0503020204020204" pitchFamily="34" charset="-122"/>
                 <a:ea typeface="Microsoft YaHei" panose="020B0503020204020204" pitchFamily="34" charset="-122"/>
               </a:rPr>
-              <a:t>               第三周交流汇报</a:t>
+              <a:t>               </a:t>
+            </a:r>
+            <a:r>
+              <a:rPr lang="en-US" altLang="zh-CN" sz="3600" dirty="0" err="1">
+                <a:latin typeface="Microsoft YaHei" panose="020B0503020204020204" pitchFamily="34" charset="-122"/>
+                <a:ea typeface="Microsoft YaHei" panose="020B0503020204020204" pitchFamily="34" charset="-122"/>
+              </a:rPr>
+              <a:t>Gitea</a:t>
+            </a:r>
+            <a:r>
+              <a:rPr lang="zh-CN" altLang="en-US" sz="3600" dirty="0">
+                <a:latin typeface="Microsoft YaHei" panose="020B0503020204020204" pitchFamily="34" charset="-122"/>
+                <a:ea typeface="Microsoft YaHei" panose="020B0503020204020204" pitchFamily="34" charset="-122"/>
+              </a:rPr>
+              <a:t>项目分析及第三周工作汇报</a:t>
             </a:r>
             <a:endParaRPr lang="en-US" altLang="zh-CN" sz="3600" dirty="0">
               <a:latin typeface="Microsoft YaHei" panose="020B0503020204020204" pitchFamily="34" charset="-122"/>
@@ -8742,8 +8758,8 @@
         </p:nvSpPr>
         <p:spPr>
           <a:xfrm>
-            <a:off x="1506072" y="1246453"/>
-            <a:ext cx="7766331" cy="5373907"/>
+            <a:off x="1202718" y="1813173"/>
+            <a:ext cx="4471942" cy="3231654"/>
           </a:xfrm>
           <a:prstGeom prst="rect">
             <a:avLst/>
@@ -8893,17 +8909,48 @@
             </a:endParaRPr>
           </a:p>
           <a:p>
-            <a:pPr marL="285750" indent="-285750">
+            <a:pPr marL="742950" lvl="1" indent="-285750">
               <a:buFont typeface="Arial" panose="020B0604020202020204" pitchFamily="34" charset="0"/>
               <a:buChar char="•"/>
             </a:pPr>
-            <a:endParaRPr lang="en-US" altLang="zh-CN" sz="2400" dirty="0">
-              <a:solidFill>
-                <a:srgbClr val="000000"/>
-              </a:solidFill>
-              <a:latin typeface="Helvetica Neue" panose="02000503000000020004" pitchFamily="2" charset="0"/>
-            </a:endParaRPr>
-          </a:p>
+            <a:r>
+              <a:rPr lang="en-US" altLang="zh-CN" sz="2400" dirty="0">
+                <a:solidFill>
+                  <a:srgbClr val="000000"/>
+                </a:solidFill>
+                <a:latin typeface="Helvetica Neue" panose="02000503000000020004" pitchFamily="2" charset="0"/>
+              </a:rPr>
+              <a:t>….</a:t>
+            </a:r>
+          </a:p>
+        </p:txBody>
+      </p:sp>
+      <p:sp>
+        <p:nvSpPr>
+          <p:cNvPr id="3" name="矩形 2">
+            <a:extLst>
+              <a:ext uri="{FF2B5EF4-FFF2-40B4-BE49-F238E27FC236}">
+                <a16:creationId xmlns:a16="http://schemas.microsoft.com/office/drawing/2014/main" id="{3D65281F-856D-7A48-8DE9-05432CF9D3C9}"/>
+              </a:ext>
+            </a:extLst>
+          </p:cNvPr>
+          <p:cNvSpPr/>
+          <p:nvPr/>
+        </p:nvSpPr>
+        <p:spPr>
+          <a:xfrm>
+            <a:off x="6279778" y="1837887"/>
+            <a:ext cx="4471943" cy="2791342"/>
+          </a:xfrm>
+          <a:prstGeom prst="rect">
+            <a:avLst/>
+          </a:prstGeom>
+        </p:spPr>
+        <p:txBody>
+          <a:bodyPr wrap="square">
+            <a:spAutoFit/>
+          </a:bodyPr>
+          <a:lstStyle/>
           <a:p>
             <a:pPr marL="285750" indent="-285750">
               <a:lnSpc>
@@ -8999,6 +9046,24 @@
               </a:solidFill>
               <a:latin typeface="Helvetica Neue" panose="02000503000000020004" pitchFamily="2" charset="0"/>
             </a:endParaRPr>
+          </a:p>
+          <a:p>
+            <a:pPr marL="742950" lvl="1" indent="-285750">
+              <a:lnSpc>
+                <a:spcPct val="150000"/>
+              </a:lnSpc>
+              <a:buFont typeface="Arial" panose="020B0604020202020204" pitchFamily="34" charset="0"/>
+              <a:buChar char="•"/>
+            </a:pPr>
+            <a:r>
+              <a:rPr lang="en-US" altLang="zh-CN" sz="2400" dirty="0">
+                <a:solidFill>
+                  <a:srgbClr val="000000"/>
+                </a:solidFill>
+                <a:latin typeface="Helvetica Neue" panose="02000503000000020004" pitchFamily="2" charset="0"/>
+              </a:rPr>
+              <a:t>…</a:t>
+            </a:r>
           </a:p>
         </p:txBody>
       </p:sp>
@@ -9024,6 +9089,1996 @@
 </file>
 
 <file path=ppt/slides/slide12.xml><?xml version="1.0" encoding="utf-8"?>
+<p:sld xmlns:a="http://schemas.openxmlformats.org/drawingml/2006/main" xmlns:r="http://schemas.openxmlformats.org/officeDocument/2006/relationships" xmlns:p="http://schemas.openxmlformats.org/presentationml/2006/main">
+  <p:cSld>
+    <p:spTree>
+      <p:nvGrpSpPr>
+        <p:cNvPr id="1" name=""/>
+        <p:cNvGrpSpPr/>
+        <p:nvPr/>
+      </p:nvGrpSpPr>
+      <p:grpSpPr>
+        <a:xfrm>
+          <a:off x="0" y="0"/>
+          <a:ext cx="0" cy="0"/>
+          <a:chOff x="0" y="0"/>
+          <a:chExt cx="0" cy="0"/>
+        </a:xfrm>
+      </p:grpSpPr>
+      <p:sp>
+        <p:nvSpPr>
+          <p:cNvPr id="2" name="矩形 1">
+            <a:extLst>
+              <a:ext uri="{FF2B5EF4-FFF2-40B4-BE49-F238E27FC236}">
+                <a16:creationId xmlns:a16="http://schemas.microsoft.com/office/drawing/2014/main" id="{4360F02C-55DD-CA45-A8E3-69F39464EDFF}"/>
+              </a:ext>
+            </a:extLst>
+          </p:cNvPr>
+          <p:cNvSpPr/>
+          <p:nvPr/>
+        </p:nvSpPr>
+        <p:spPr>
+          <a:xfrm>
+            <a:off x="1089213" y="354830"/>
+            <a:ext cx="2541494" cy="523220"/>
+          </a:xfrm>
+          <a:prstGeom prst="rect">
+            <a:avLst/>
+          </a:prstGeom>
+        </p:spPr>
+        <p:txBody>
+          <a:bodyPr wrap="square">
+            <a:spAutoFit/>
+          </a:bodyPr>
+          <a:lstStyle/>
+          <a:p>
+            <a:pPr algn="dist"/>
+            <a:r>
+              <a:rPr lang="zh-CN" altLang="en-US" sz="2800" b="1" dirty="0">
+                <a:solidFill>
+                  <a:srgbClr val="93C3C2"/>
+                </a:solidFill>
+                <a:latin typeface="Arial" panose="020B0604020202020204" pitchFamily="34" charset="0"/>
+                <a:ea typeface="思源黑体 CN Regular" panose="020B0500000000000000" pitchFamily="34" charset="-122"/>
+                <a:cs typeface="+mn-ea"/>
+                <a:sym typeface="Arial" panose="020B0604020202020204" pitchFamily="34" charset="0"/>
+              </a:rPr>
+              <a:t>人员分工</a:t>
+            </a:r>
+          </a:p>
+        </p:txBody>
+      </p:sp>
+      <p:graphicFrame>
+        <p:nvGraphicFramePr>
+          <p:cNvPr id="3" name="表格 2">
+            <a:extLst>
+              <a:ext uri="{FF2B5EF4-FFF2-40B4-BE49-F238E27FC236}">
+                <a16:creationId xmlns:a16="http://schemas.microsoft.com/office/drawing/2014/main" id="{0B75CA6E-AE6E-B646-B61F-74D8DBB0AEF9}"/>
+              </a:ext>
+            </a:extLst>
+          </p:cNvPr>
+          <p:cNvGraphicFramePr>
+            <a:graphicFrameLocks noGrp="1"/>
+          </p:cNvGraphicFramePr>
+          <p:nvPr>
+            <p:extLst>
+              <p:ext uri="{D42A27DB-BD31-4B8C-83A1-F6EECF244321}">
+                <p14:modId xmlns:p14="http://schemas.microsoft.com/office/powerpoint/2010/main" val="667559927"/>
+              </p:ext>
+            </p:extLst>
+          </p:nvPr>
+        </p:nvGraphicFramePr>
+        <p:xfrm>
+          <a:off x="1089213" y="878051"/>
+          <a:ext cx="11099612" cy="5979949"/>
+        </p:xfrm>
+        <a:graphic>
+          <a:graphicData uri="http://schemas.openxmlformats.org/drawingml/2006/table">
+            <a:tbl>
+              <a:tblPr firstRow="1" bandRow="1">
+                <a:tableStyleId>{5C22544A-7EE6-4342-B048-85BDC9FD1C3A}</a:tableStyleId>
+              </a:tblPr>
+              <a:tblGrid>
+                <a:gridCol w="1250575">
+                  <a:extLst>
+                    <a:ext uri="{9D8B030D-6E8A-4147-A177-3AD203B41FA5}">
+                      <a16:colId xmlns:a16="http://schemas.microsoft.com/office/drawing/2014/main" val="4157034292"/>
+                    </a:ext>
+                  </a:extLst>
+                </a:gridCol>
+                <a:gridCol w="9849037">
+                  <a:extLst>
+                    <a:ext uri="{9D8B030D-6E8A-4147-A177-3AD203B41FA5}">
+                      <a16:colId xmlns:a16="http://schemas.microsoft.com/office/drawing/2014/main" val="1220481481"/>
+                    </a:ext>
+                  </a:extLst>
+                </a:gridCol>
+              </a:tblGrid>
+              <a:tr h="573546">
+                <a:tc>
+                  <a:txBody>
+                    <a:bodyPr/>
+                    <a:lstStyle/>
+                    <a:p>
+                      <a:pPr marL="0" marR="0" lvl="0" indent="0" algn="l" defTabSz="914126" rtl="0" eaLnBrk="1" fontAlgn="auto" latinLnBrk="0" hangingPunct="1">
+                        <a:lnSpc>
+                          <a:spcPct val="100000"/>
+                        </a:lnSpc>
+                        <a:spcBef>
+                          <a:spcPts val="0"/>
+                        </a:spcBef>
+                        <a:spcAft>
+                          <a:spcPts val="0"/>
+                        </a:spcAft>
+                        <a:buClrTx/>
+                        <a:buSzTx/>
+                        <a:buFontTx/>
+                        <a:buNone/>
+                        <a:tabLst/>
+                        <a:defRPr/>
+                      </a:pPr>
+                      <a:r>
+                        <a:rPr lang="zh-CN" altLang="en-US" dirty="0">
+                          <a:latin typeface="Microsoft YaHei" panose="020B0503020204020204" pitchFamily="34" charset="-122"/>
+                          <a:ea typeface="Microsoft YaHei" panose="020B0503020204020204" pitchFamily="34" charset="-122"/>
+                        </a:rPr>
+                        <a:t>人员</a:t>
+                      </a:r>
+                    </a:p>
+                  </a:txBody>
+                  <a:tcPr/>
+                </a:tc>
+                <a:tc>
+                  <a:txBody>
+                    <a:bodyPr/>
+                    <a:lstStyle/>
+                    <a:p>
+                      <a:r>
+                        <a:rPr lang="zh-CN" altLang="en-US" dirty="0">
+                          <a:latin typeface="Microsoft YaHei" panose="020B0503020204020204" pitchFamily="34" charset="-122"/>
+                          <a:ea typeface="Microsoft YaHei" panose="020B0503020204020204" pitchFamily="34" charset="-122"/>
+                        </a:rPr>
+                        <a:t>任务</a:t>
+                      </a:r>
+                    </a:p>
+                  </a:txBody>
+                  <a:tcPr/>
+                </a:tc>
+                <a:extLst>
+                  <a:ext uri="{0D108BD9-81ED-4DB2-BD59-A6C34878D82A}">
+                    <a16:rowId xmlns:a16="http://schemas.microsoft.com/office/drawing/2014/main" val="1114783463"/>
+                  </a:ext>
+                </a:extLst>
+              </a:tr>
+              <a:tr h="1964814">
+                <a:tc>
+                  <a:txBody>
+                    <a:bodyPr/>
+                    <a:lstStyle/>
+                    <a:p>
+                      <a:r>
+                        <a:rPr lang="zh-CN" altLang="en-US" dirty="0">
+                          <a:latin typeface="Microsoft YaHei" panose="020B0503020204020204" pitchFamily="34" charset="-122"/>
+                          <a:ea typeface="Microsoft YaHei" panose="020B0503020204020204" pitchFamily="34" charset="-122"/>
+                        </a:rPr>
+                        <a:t>孙维华</a:t>
+                      </a:r>
+                    </a:p>
+                  </a:txBody>
+                  <a:tcPr/>
+                </a:tc>
+                <a:tc>
+                  <a:txBody>
+                    <a:bodyPr/>
+                    <a:lstStyle/>
+                    <a:p>
+                      <a:pPr marL="285750" marR="0" lvl="0" indent="-285750" algn="l" defTabSz="914126" rtl="0" eaLnBrk="1" fontAlgn="auto" latinLnBrk="0" hangingPunct="1">
+                        <a:lnSpc>
+                          <a:spcPct val="100000"/>
+                        </a:lnSpc>
+                        <a:spcBef>
+                          <a:spcPts val="0"/>
+                        </a:spcBef>
+                        <a:spcAft>
+                          <a:spcPts val="0"/>
+                        </a:spcAft>
+                        <a:buClrTx/>
+                        <a:buSzTx/>
+                        <a:buFont typeface="Arial" panose="020B0604020202020204" pitchFamily="34" charset="0"/>
+                        <a:buChar char="•"/>
+                        <a:tabLst/>
+                        <a:defRPr/>
+                      </a:pPr>
+                      <a:r>
+                        <a:rPr lang="zh-CN" altLang="en-US" sz="1800" kern="1200" dirty="0">
+                          <a:solidFill>
+                            <a:schemeClr val="dk1"/>
+                          </a:solidFill>
+                          <a:effectLst/>
+                          <a:latin typeface="Microsoft YaHei" panose="020B0503020204020204" pitchFamily="34" charset="-122"/>
+                          <a:ea typeface="Microsoft YaHei" panose="020B0503020204020204" pitchFamily="34" charset="-122"/>
+                          <a:cs typeface="+mn-cs"/>
+                        </a:rPr>
+                        <a:t>主要负责开发任务，为了分析工作的重点位置</a:t>
+                      </a:r>
+                      <a:r>
+                        <a:rPr lang="en-US" altLang="zh-CN" sz="1800" kern="1200" dirty="0">
+                          <a:solidFill>
+                            <a:schemeClr val="dk1"/>
+                          </a:solidFill>
+                          <a:effectLst/>
+                          <a:latin typeface="Microsoft YaHei" panose="020B0503020204020204" pitchFamily="34" charset="-122"/>
+                          <a:ea typeface="Microsoft YaHei" panose="020B0503020204020204" pitchFamily="34" charset="-122"/>
+                          <a:cs typeface="+mn-cs"/>
+                        </a:rPr>
+                        <a:t>, </a:t>
+                      </a:r>
+                      <a:r>
+                        <a:rPr lang="zh-CN" altLang="en-US" sz="1800" kern="1200" dirty="0">
+                          <a:solidFill>
+                            <a:schemeClr val="dk1"/>
+                          </a:solidFill>
+                          <a:effectLst/>
+                          <a:latin typeface="Microsoft YaHei" panose="020B0503020204020204" pitchFamily="34" charset="-122"/>
+                          <a:ea typeface="Microsoft YaHei" panose="020B0503020204020204" pitchFamily="34" charset="-122"/>
+                          <a:cs typeface="+mn-cs"/>
+                        </a:rPr>
+                        <a:t>我这几周主要的工作是分析项目源码的结构，学习各个功能的实现方式。</a:t>
+                      </a:r>
+                      <a:endParaRPr lang="en-US" altLang="zh-CN" sz="1800" kern="1200" dirty="0">
+                        <a:solidFill>
+                          <a:schemeClr val="dk1"/>
+                        </a:solidFill>
+                        <a:effectLst/>
+                        <a:latin typeface="Microsoft YaHei" panose="020B0503020204020204" pitchFamily="34" charset="-122"/>
+                        <a:ea typeface="Microsoft YaHei" panose="020B0503020204020204" pitchFamily="34" charset="-122"/>
+                        <a:cs typeface="+mn-cs"/>
+                      </a:endParaRPr>
+                    </a:p>
+                    <a:p>
+                      <a:pPr marL="285750" marR="0" lvl="0" indent="-285750" algn="l" defTabSz="914126" rtl="0" eaLnBrk="1" fontAlgn="auto" latinLnBrk="0" hangingPunct="1">
+                        <a:lnSpc>
+                          <a:spcPct val="100000"/>
+                        </a:lnSpc>
+                        <a:spcBef>
+                          <a:spcPts val="0"/>
+                        </a:spcBef>
+                        <a:spcAft>
+                          <a:spcPts val="0"/>
+                        </a:spcAft>
+                        <a:buClrTx/>
+                        <a:buSzTx/>
+                        <a:buFont typeface="Arial" panose="020B0604020202020204" pitchFamily="34" charset="0"/>
+                        <a:buChar char="•"/>
+                        <a:tabLst/>
+                        <a:defRPr/>
+                      </a:pPr>
+                      <a:r>
+                        <a:rPr lang="zh-CN" altLang="en-US" sz="1800" kern="1200" dirty="0">
+                          <a:solidFill>
+                            <a:schemeClr val="dk1"/>
+                          </a:solidFill>
+                          <a:effectLst/>
+                          <a:latin typeface="Microsoft YaHei" panose="020B0503020204020204" pitchFamily="34" charset="-122"/>
+                          <a:ea typeface="Microsoft YaHei" panose="020B0503020204020204" pitchFamily="34" charset="-122"/>
+                          <a:cs typeface="+mn-cs"/>
+                        </a:rPr>
+                        <a:t>这一周主要的任务包括编译运行项目，熟悉项目提供</a:t>
+                      </a:r>
+                      <a:r>
+                        <a:rPr lang="en" altLang="zh-CN" sz="1800" kern="1200" dirty="0">
+                          <a:solidFill>
+                            <a:schemeClr val="dk1"/>
+                          </a:solidFill>
+                          <a:effectLst/>
+                          <a:latin typeface="Microsoft YaHei" panose="020B0503020204020204" pitchFamily="34" charset="-122"/>
+                          <a:ea typeface="Microsoft YaHei" panose="020B0503020204020204" pitchFamily="34" charset="-122"/>
+                          <a:cs typeface="+mn-cs"/>
+                        </a:rPr>
+                        <a:t>API</a:t>
+                      </a:r>
+                      <a:r>
+                        <a:rPr lang="zh-CN" altLang="en-US" sz="1800" kern="1200" dirty="0">
+                          <a:solidFill>
+                            <a:schemeClr val="dk1"/>
+                          </a:solidFill>
+                          <a:effectLst/>
+                          <a:latin typeface="Microsoft YaHei" panose="020B0503020204020204" pitchFamily="34" charset="-122"/>
+                          <a:ea typeface="Microsoft YaHei" panose="020B0503020204020204" pitchFamily="34" charset="-122"/>
+                          <a:cs typeface="+mn-cs"/>
+                        </a:rPr>
+                        <a:t>的使用方式，并通过分析代码的文件结构，整理出大体的框架结构以及外部依赖，将大型模块的初步分析工作分配给负责开发的其他组员。</a:t>
+                      </a:r>
+                      <a:endParaRPr lang="en-US" altLang="zh-CN" sz="1800" kern="1200" dirty="0">
+                        <a:solidFill>
+                          <a:schemeClr val="dk1"/>
+                        </a:solidFill>
+                        <a:effectLst/>
+                        <a:latin typeface="Microsoft YaHei" panose="020B0503020204020204" pitchFamily="34" charset="-122"/>
+                        <a:ea typeface="Microsoft YaHei" panose="020B0503020204020204" pitchFamily="34" charset="-122"/>
+                        <a:cs typeface="+mn-cs"/>
+                      </a:endParaRPr>
+                    </a:p>
+                    <a:p>
+                      <a:pPr marL="285750" marR="0" lvl="0" indent="-285750" algn="l" defTabSz="914126" rtl="0" eaLnBrk="1" fontAlgn="auto" latinLnBrk="0" hangingPunct="1">
+                        <a:lnSpc>
+                          <a:spcPct val="100000"/>
+                        </a:lnSpc>
+                        <a:spcBef>
+                          <a:spcPts val="0"/>
+                        </a:spcBef>
+                        <a:spcAft>
+                          <a:spcPts val="0"/>
+                        </a:spcAft>
+                        <a:buClrTx/>
+                        <a:buSzTx/>
+                        <a:buFont typeface="Arial" panose="020B0604020202020204" pitchFamily="34" charset="0"/>
+                        <a:buChar char="•"/>
+                        <a:tabLst/>
+                        <a:defRPr/>
+                      </a:pPr>
+                      <a:r>
+                        <a:rPr lang="zh-CN" altLang="en-US" sz="1800" kern="1200" dirty="0">
+                          <a:solidFill>
+                            <a:schemeClr val="dk1"/>
+                          </a:solidFill>
+                          <a:effectLst/>
+                          <a:latin typeface="Microsoft YaHei" panose="020B0503020204020204" pitchFamily="34" charset="-122"/>
+                          <a:ea typeface="Microsoft YaHei" panose="020B0503020204020204" pitchFamily="34" charset="-122"/>
+                          <a:cs typeface="+mn-cs"/>
+                        </a:rPr>
+                        <a:t>下一周主要对各个和我们项目有关的</a:t>
+                      </a:r>
+                      <a:r>
+                        <a:rPr lang="en" altLang="zh-CN" sz="1800" kern="1200" dirty="0">
+                          <a:solidFill>
+                            <a:schemeClr val="dk1"/>
+                          </a:solidFill>
+                          <a:effectLst/>
+                          <a:latin typeface="Microsoft YaHei" panose="020B0503020204020204" pitchFamily="34" charset="-122"/>
+                          <a:ea typeface="Microsoft YaHei" panose="020B0503020204020204" pitchFamily="34" charset="-122"/>
+                          <a:cs typeface="+mn-cs"/>
+                        </a:rPr>
+                        <a:t>API</a:t>
+                      </a:r>
+                      <a:r>
+                        <a:rPr lang="zh-CN" altLang="en-US" sz="1800" kern="1200" dirty="0">
+                          <a:solidFill>
+                            <a:schemeClr val="dk1"/>
+                          </a:solidFill>
+                          <a:effectLst/>
+                          <a:latin typeface="Microsoft YaHei" panose="020B0503020204020204" pitchFamily="34" charset="-122"/>
+                          <a:ea typeface="Microsoft YaHei" panose="020B0503020204020204" pitchFamily="34" charset="-122"/>
+                          <a:cs typeface="+mn-cs"/>
+                        </a:rPr>
+                        <a:t>的实现进行分析，整理出和其他组件的依赖关系。</a:t>
+                      </a:r>
+                    </a:p>
+                  </a:txBody>
+                  <a:tcPr/>
+                </a:tc>
+                <a:extLst>
+                  <a:ext uri="{0D108BD9-81ED-4DB2-BD59-A6C34878D82A}">
+                    <a16:rowId xmlns:a16="http://schemas.microsoft.com/office/drawing/2014/main" val="3105682896"/>
+                  </a:ext>
+                </a:extLst>
+              </a:tr>
+              <a:tr h="1868291">
+                <a:tc>
+                  <a:txBody>
+                    <a:bodyPr/>
+                    <a:lstStyle/>
+                    <a:p>
+                      <a:r>
+                        <a:rPr lang="zh-CN" altLang="en-US" dirty="0">
+                          <a:latin typeface="Microsoft YaHei" panose="020B0503020204020204" pitchFamily="34" charset="-122"/>
+                          <a:ea typeface="Microsoft YaHei" panose="020B0503020204020204" pitchFamily="34" charset="-122"/>
+                        </a:rPr>
+                        <a:t>王子璇</a:t>
+                      </a:r>
+                    </a:p>
+                  </a:txBody>
+                  <a:tcPr/>
+                </a:tc>
+                <a:tc>
+                  <a:txBody>
+                    <a:bodyPr/>
+                    <a:lstStyle/>
+                    <a:p>
+                      <a:pPr marL="285750" indent="-285750">
+                        <a:buFont typeface="Arial" panose="020B0604020202020204" pitchFamily="34" charset="0"/>
+                        <a:buChar char="•"/>
+                      </a:pPr>
+                      <a:r>
+                        <a:rPr lang="zh-CN" altLang="en-US" sz="1800" kern="1200" dirty="0">
+                          <a:solidFill>
+                            <a:schemeClr val="dk1"/>
+                          </a:solidFill>
+                          <a:effectLst/>
+                          <a:latin typeface="Microsoft YaHei" panose="020B0503020204020204" pitchFamily="34" charset="-122"/>
+                          <a:ea typeface="Microsoft YaHei" panose="020B0503020204020204" pitchFamily="34" charset="-122"/>
+                          <a:cs typeface="+mn-cs"/>
+                        </a:rPr>
+                        <a:t>主要主要负责对项目的数据库模型进行分析（</a:t>
+                      </a:r>
+                      <a:r>
+                        <a:rPr lang="en" altLang="zh-CN" sz="1800" kern="1200" dirty="0" err="1">
+                          <a:solidFill>
+                            <a:schemeClr val="dk1"/>
+                          </a:solidFill>
+                          <a:effectLst/>
+                          <a:latin typeface="Microsoft YaHei" panose="020B0503020204020204" pitchFamily="34" charset="-122"/>
+                          <a:ea typeface="Microsoft YaHei" panose="020B0503020204020204" pitchFamily="34" charset="-122"/>
+                          <a:cs typeface="+mn-cs"/>
+                        </a:rPr>
+                        <a:t>Gitea</a:t>
+                      </a:r>
+                      <a:r>
+                        <a:rPr lang="en" altLang="zh-CN" sz="1800" kern="1200" dirty="0">
+                          <a:solidFill>
+                            <a:schemeClr val="dk1"/>
+                          </a:solidFill>
+                          <a:effectLst/>
+                          <a:latin typeface="Microsoft YaHei" panose="020B0503020204020204" pitchFamily="34" charset="-122"/>
+                          <a:ea typeface="Microsoft YaHei" panose="020B0503020204020204" pitchFamily="34" charset="-122"/>
+                          <a:cs typeface="+mn-cs"/>
+                        </a:rPr>
+                        <a:t> </a:t>
+                      </a:r>
+                      <a:r>
+                        <a:rPr lang="zh-CN" altLang="en-US" sz="1800" kern="1200" dirty="0">
+                          <a:solidFill>
+                            <a:schemeClr val="dk1"/>
+                          </a:solidFill>
+                          <a:effectLst/>
+                          <a:latin typeface="Microsoft YaHei" panose="020B0503020204020204" pitchFamily="34" charset="-122"/>
+                          <a:ea typeface="Microsoft YaHei" panose="020B0503020204020204" pitchFamily="34" charset="-122"/>
+                          <a:cs typeface="+mn-cs"/>
+                        </a:rPr>
+                        <a:t>需要 </a:t>
+                      </a:r>
+                      <a:r>
+                        <a:rPr lang="en" altLang="zh-CN" sz="1800" kern="1200" dirty="0">
+                          <a:solidFill>
+                            <a:schemeClr val="dk1"/>
+                          </a:solidFill>
+                          <a:effectLst/>
+                          <a:latin typeface="Microsoft YaHei" panose="020B0503020204020204" pitchFamily="34" charset="-122"/>
+                          <a:ea typeface="Microsoft YaHei" panose="020B0503020204020204" pitchFamily="34" charset="-122"/>
+                          <a:cs typeface="+mn-cs"/>
+                        </a:rPr>
+                        <a:t>MySQL</a:t>
+                      </a:r>
+                      <a:r>
+                        <a:rPr lang="zh-CN" altLang="en" sz="1800" kern="1200" dirty="0">
+                          <a:solidFill>
+                            <a:schemeClr val="dk1"/>
+                          </a:solidFill>
+                          <a:effectLst/>
+                          <a:latin typeface="Microsoft YaHei" panose="020B0503020204020204" pitchFamily="34" charset="-122"/>
+                          <a:ea typeface="Microsoft YaHei" panose="020B0503020204020204" pitchFamily="34" charset="-122"/>
+                          <a:cs typeface="+mn-cs"/>
+                        </a:rPr>
+                        <a:t>、</a:t>
+                      </a:r>
+                      <a:r>
+                        <a:rPr lang="en" altLang="zh-CN" sz="1800" kern="1200" dirty="0">
+                          <a:solidFill>
+                            <a:schemeClr val="dk1"/>
+                          </a:solidFill>
+                          <a:effectLst/>
+                          <a:latin typeface="Microsoft YaHei" panose="020B0503020204020204" pitchFamily="34" charset="-122"/>
+                          <a:ea typeface="Microsoft YaHei" panose="020B0503020204020204" pitchFamily="34" charset="-122"/>
+                          <a:cs typeface="+mn-cs"/>
+                        </a:rPr>
+                        <a:t>PostgreSQL</a:t>
+                      </a:r>
+                      <a:r>
+                        <a:rPr lang="zh-CN" altLang="en" sz="1800" kern="1200" dirty="0">
+                          <a:solidFill>
+                            <a:schemeClr val="dk1"/>
+                          </a:solidFill>
+                          <a:effectLst/>
+                          <a:latin typeface="Microsoft YaHei" panose="020B0503020204020204" pitchFamily="34" charset="-122"/>
+                          <a:ea typeface="Microsoft YaHei" panose="020B0503020204020204" pitchFamily="34" charset="-122"/>
+                          <a:cs typeface="+mn-cs"/>
+                        </a:rPr>
+                        <a:t>、</a:t>
+                      </a:r>
+                      <a:r>
+                        <a:rPr lang="en" altLang="zh-CN" sz="1800" kern="1200" dirty="0">
+                          <a:solidFill>
+                            <a:schemeClr val="dk1"/>
+                          </a:solidFill>
+                          <a:effectLst/>
+                          <a:latin typeface="Microsoft YaHei" panose="020B0503020204020204" pitchFamily="34" charset="-122"/>
+                          <a:ea typeface="Microsoft YaHei" panose="020B0503020204020204" pitchFamily="34" charset="-122"/>
+                          <a:cs typeface="+mn-cs"/>
+                        </a:rPr>
+                        <a:t>MSSQL </a:t>
+                      </a:r>
+                      <a:r>
+                        <a:rPr lang="zh-CN" altLang="en-US" sz="1800" kern="1200" dirty="0">
+                          <a:solidFill>
+                            <a:schemeClr val="dk1"/>
+                          </a:solidFill>
+                          <a:effectLst/>
+                          <a:latin typeface="Microsoft YaHei" panose="020B0503020204020204" pitchFamily="34" charset="-122"/>
+                          <a:ea typeface="Microsoft YaHei" panose="020B0503020204020204" pitchFamily="34" charset="-122"/>
+                          <a:cs typeface="+mn-cs"/>
+                        </a:rPr>
+                        <a:t>或 </a:t>
+                      </a:r>
+                      <a:r>
+                        <a:rPr lang="en" altLang="zh-CN" sz="1800" kern="1200" dirty="0">
+                          <a:solidFill>
+                            <a:schemeClr val="dk1"/>
+                          </a:solidFill>
+                          <a:effectLst/>
+                          <a:latin typeface="Microsoft YaHei" panose="020B0503020204020204" pitchFamily="34" charset="-122"/>
+                          <a:ea typeface="Microsoft YaHei" panose="020B0503020204020204" pitchFamily="34" charset="-122"/>
+                          <a:cs typeface="+mn-cs"/>
+                        </a:rPr>
+                        <a:t>SQLite3</a:t>
+                      </a:r>
+                      <a:r>
+                        <a:rPr lang="zh-CN" altLang="en" sz="1800" kern="1200" dirty="0">
+                          <a:solidFill>
+                            <a:schemeClr val="dk1"/>
+                          </a:solidFill>
+                          <a:effectLst/>
+                          <a:latin typeface="Microsoft YaHei" panose="020B0503020204020204" pitchFamily="34" charset="-122"/>
+                          <a:ea typeface="Microsoft YaHei" panose="020B0503020204020204" pitchFamily="34" charset="-122"/>
+                          <a:cs typeface="+mn-cs"/>
+                        </a:rPr>
+                        <a:t>）</a:t>
+                      </a:r>
+                      <a:endParaRPr lang="en-US" altLang="zh-CN" sz="1800" kern="1200" dirty="0">
+                        <a:solidFill>
+                          <a:schemeClr val="dk1"/>
+                        </a:solidFill>
+                        <a:effectLst/>
+                        <a:latin typeface="Microsoft YaHei" panose="020B0503020204020204" pitchFamily="34" charset="-122"/>
+                        <a:ea typeface="Microsoft YaHei" panose="020B0503020204020204" pitchFamily="34" charset="-122"/>
+                        <a:cs typeface="+mn-cs"/>
+                      </a:endParaRPr>
+                    </a:p>
+                    <a:p>
+                      <a:pPr marL="285750" indent="-285750">
+                        <a:buFont typeface="Arial" panose="020B0604020202020204" pitchFamily="34" charset="0"/>
+                        <a:buChar char="•"/>
+                      </a:pPr>
+                      <a:r>
+                        <a:rPr lang="zh-CN" altLang="en-US" sz="1800" kern="1200" dirty="0">
+                          <a:solidFill>
+                            <a:schemeClr val="dk1"/>
+                          </a:solidFill>
+                          <a:effectLst/>
+                          <a:latin typeface="Microsoft YaHei" panose="020B0503020204020204" pitchFamily="34" charset="-122"/>
+                          <a:ea typeface="Microsoft YaHei" panose="020B0503020204020204" pitchFamily="34" charset="-122"/>
+                          <a:cs typeface="+mn-cs"/>
+                        </a:rPr>
+                        <a:t>本周任务：使用产品并对其进行了解。阅读源码，理解相关模型，为功能开发做准备。</a:t>
+                      </a:r>
+                      <a:endParaRPr lang="en-US" altLang="zh-CN" sz="1800" kern="1200" dirty="0">
+                        <a:solidFill>
+                          <a:schemeClr val="dk1"/>
+                        </a:solidFill>
+                        <a:effectLst/>
+                        <a:latin typeface="Microsoft YaHei" panose="020B0503020204020204" pitchFamily="34" charset="-122"/>
+                        <a:ea typeface="Microsoft YaHei" panose="020B0503020204020204" pitchFamily="34" charset="-122"/>
+                        <a:cs typeface="+mn-cs"/>
+                      </a:endParaRPr>
+                    </a:p>
+                    <a:p>
+                      <a:pPr marL="285750" indent="-285750">
+                        <a:buFont typeface="Arial" panose="020B0604020202020204" pitchFamily="34" charset="0"/>
+                        <a:buChar char="•"/>
+                      </a:pPr>
+                      <a:r>
+                        <a:rPr lang="zh-CN" altLang="en-US" sz="1800" kern="1200" dirty="0">
+                          <a:solidFill>
+                            <a:schemeClr val="dk1"/>
+                          </a:solidFill>
+                          <a:effectLst/>
+                          <a:latin typeface="Microsoft YaHei" panose="020B0503020204020204" pitchFamily="34" charset="-122"/>
+                          <a:ea typeface="Microsoft YaHei" panose="020B0503020204020204" pitchFamily="34" charset="-122"/>
+                          <a:cs typeface="+mn-cs"/>
+                        </a:rPr>
+                        <a:t>进度：已安装</a:t>
+                      </a:r>
+                      <a:r>
+                        <a:rPr lang="en" altLang="zh-CN" sz="1800" kern="1200" dirty="0" err="1">
+                          <a:solidFill>
+                            <a:schemeClr val="dk1"/>
+                          </a:solidFill>
+                          <a:effectLst/>
+                          <a:latin typeface="Microsoft YaHei" panose="020B0503020204020204" pitchFamily="34" charset="-122"/>
+                          <a:ea typeface="Microsoft YaHei" panose="020B0503020204020204" pitchFamily="34" charset="-122"/>
+                          <a:cs typeface="+mn-cs"/>
+                        </a:rPr>
+                        <a:t>gitea</a:t>
+                      </a:r>
+                      <a:r>
+                        <a:rPr lang="zh-CN" altLang="en" sz="1800" kern="1200" dirty="0">
+                          <a:solidFill>
+                            <a:schemeClr val="dk1"/>
+                          </a:solidFill>
+                          <a:effectLst/>
+                          <a:latin typeface="Microsoft YaHei" panose="020B0503020204020204" pitchFamily="34" charset="-122"/>
+                          <a:ea typeface="Microsoft YaHei" panose="020B0503020204020204" pitchFamily="34" charset="-122"/>
+                          <a:cs typeface="+mn-cs"/>
+                        </a:rPr>
+                        <a:t>，</a:t>
+                      </a:r>
+                      <a:r>
+                        <a:rPr lang="zh-CN" altLang="en-US" sz="1800" kern="1200" dirty="0">
+                          <a:solidFill>
+                            <a:schemeClr val="dk1"/>
+                          </a:solidFill>
+                          <a:effectLst/>
+                          <a:latin typeface="Microsoft YaHei" panose="020B0503020204020204" pitchFamily="34" charset="-122"/>
+                          <a:ea typeface="Microsoft YaHei" panose="020B0503020204020204" pitchFamily="34" charset="-122"/>
+                          <a:cs typeface="+mn-cs"/>
+                        </a:rPr>
+                        <a:t>正在阅读相关代码（在</a:t>
+                      </a:r>
+                      <a:r>
+                        <a:rPr lang="en" altLang="zh-CN" sz="1800" kern="1200" dirty="0">
+                          <a:solidFill>
+                            <a:schemeClr val="dk1"/>
+                          </a:solidFill>
+                          <a:effectLst/>
+                          <a:latin typeface="Microsoft YaHei" panose="020B0503020204020204" pitchFamily="34" charset="-122"/>
+                          <a:ea typeface="Microsoft YaHei" panose="020B0503020204020204" pitchFamily="34" charset="-122"/>
+                          <a:cs typeface="+mn-cs"/>
+                        </a:rPr>
+                        <a:t>models</a:t>
+                      </a:r>
+                      <a:r>
+                        <a:rPr lang="zh-CN" altLang="en-US" sz="1800" kern="1200" dirty="0">
+                          <a:solidFill>
+                            <a:schemeClr val="dk1"/>
+                          </a:solidFill>
+                          <a:effectLst/>
+                          <a:latin typeface="Microsoft YaHei" panose="020B0503020204020204" pitchFamily="34" charset="-122"/>
+                          <a:ea typeface="Microsoft YaHei" panose="020B0503020204020204" pitchFamily="34" charset="-122"/>
+                          <a:cs typeface="+mn-cs"/>
+                        </a:rPr>
+                        <a:t>文件夹下面，对应的功能操作在</a:t>
+                      </a:r>
+                      <a:r>
+                        <a:rPr lang="en" altLang="zh-CN" sz="1800" kern="1200" dirty="0">
+                          <a:solidFill>
+                            <a:schemeClr val="dk1"/>
+                          </a:solidFill>
+                          <a:effectLst/>
+                          <a:latin typeface="Microsoft YaHei" panose="020B0503020204020204" pitchFamily="34" charset="-122"/>
+                          <a:ea typeface="Microsoft YaHei" panose="020B0503020204020204" pitchFamily="34" charset="-122"/>
+                          <a:cs typeface="+mn-cs"/>
+                        </a:rPr>
+                        <a:t>service</a:t>
+                      </a:r>
+                      <a:r>
+                        <a:rPr lang="zh-CN" altLang="en-US" sz="1800" kern="1200" dirty="0">
+                          <a:solidFill>
+                            <a:schemeClr val="dk1"/>
+                          </a:solidFill>
+                          <a:effectLst/>
+                          <a:latin typeface="Microsoft YaHei" panose="020B0503020204020204" pitchFamily="34" charset="-122"/>
+                          <a:ea typeface="Microsoft YaHei" panose="020B0503020204020204" pitchFamily="34" charset="-122"/>
+                          <a:cs typeface="+mn-cs"/>
+                        </a:rPr>
+                        <a:t>下面）</a:t>
+                      </a:r>
+                      <a:endParaRPr lang="en-US" altLang="zh-CN" sz="1800" kern="1200" dirty="0">
+                        <a:solidFill>
+                          <a:schemeClr val="dk1"/>
+                        </a:solidFill>
+                        <a:effectLst/>
+                        <a:latin typeface="Microsoft YaHei" panose="020B0503020204020204" pitchFamily="34" charset="-122"/>
+                        <a:ea typeface="Microsoft YaHei" panose="020B0503020204020204" pitchFamily="34" charset="-122"/>
+                        <a:cs typeface="+mn-cs"/>
+                      </a:endParaRPr>
+                    </a:p>
+                  </a:txBody>
+                  <a:tcPr/>
+                </a:tc>
+                <a:extLst>
+                  <a:ext uri="{0D108BD9-81ED-4DB2-BD59-A6C34878D82A}">
+                    <a16:rowId xmlns:a16="http://schemas.microsoft.com/office/drawing/2014/main" val="1596514288"/>
+                  </a:ext>
+                </a:extLst>
+              </a:tr>
+              <a:tr h="1573298">
+                <a:tc>
+                  <a:txBody>
+                    <a:bodyPr/>
+                    <a:lstStyle/>
+                    <a:p>
+                      <a:r>
+                        <a:rPr lang="zh-CN" altLang="en-US" dirty="0">
+                          <a:latin typeface="Microsoft YaHei" panose="020B0503020204020204" pitchFamily="34" charset="-122"/>
+                          <a:ea typeface="Microsoft YaHei" panose="020B0503020204020204" pitchFamily="34" charset="-122"/>
+                        </a:rPr>
+                        <a:t>郑锋</a:t>
+                      </a:r>
+                    </a:p>
+                  </a:txBody>
+                  <a:tcPr/>
+                </a:tc>
+                <a:tc>
+                  <a:txBody>
+                    <a:bodyPr/>
+                    <a:lstStyle/>
+                    <a:p>
+                      <a:pPr marL="285750" indent="-285750">
+                        <a:buFont typeface="Arial" panose="020B0604020202020204" pitchFamily="34" charset="0"/>
+                        <a:buChar char="•"/>
+                      </a:pPr>
+                      <a:r>
+                        <a:rPr lang="zh-CN" altLang="en-US" sz="1799" kern="1200" dirty="0">
+                          <a:solidFill>
+                            <a:schemeClr val="dk1"/>
+                          </a:solidFill>
+                          <a:effectLst/>
+                          <a:latin typeface="Microsoft YaHei" panose="020B0503020204020204" pitchFamily="34" charset="-122"/>
+                          <a:ea typeface="Microsoft YaHei" panose="020B0503020204020204" pitchFamily="34" charset="-122"/>
+                          <a:cs typeface="+mn-cs"/>
+                        </a:rPr>
+                        <a:t>我在小组里主要负责开发部分，这几周的工作也主要是负责源码的结构，</a:t>
+                      </a:r>
+                      <a:endParaRPr lang="en-US" altLang="zh-CN" sz="1799" kern="1200" dirty="0">
+                        <a:solidFill>
+                          <a:schemeClr val="dk1"/>
+                        </a:solidFill>
+                        <a:effectLst/>
+                        <a:latin typeface="Microsoft YaHei" panose="020B0503020204020204" pitchFamily="34" charset="-122"/>
+                        <a:ea typeface="Microsoft YaHei" panose="020B0503020204020204" pitchFamily="34" charset="-122"/>
+                        <a:cs typeface="+mn-cs"/>
+                      </a:endParaRPr>
+                    </a:p>
+                    <a:p>
+                      <a:pPr marL="285750" indent="-285750">
+                        <a:buFont typeface="Arial" panose="020B0604020202020204" pitchFamily="34" charset="0"/>
+                        <a:buChar char="•"/>
+                      </a:pPr>
+                      <a:r>
+                        <a:rPr lang="zh-CN" altLang="en-US" sz="1799" kern="1200" dirty="0">
+                          <a:solidFill>
+                            <a:schemeClr val="dk1"/>
+                          </a:solidFill>
+                          <a:effectLst/>
+                          <a:latin typeface="Microsoft YaHei" panose="020B0503020204020204" pitchFamily="34" charset="-122"/>
+                          <a:ea typeface="Microsoft YaHei" panose="020B0503020204020204" pitchFamily="34" charset="-122"/>
+                          <a:cs typeface="+mn-cs"/>
+                        </a:rPr>
+                        <a:t>这周分配了负责</a:t>
+                      </a:r>
+                      <a:r>
+                        <a:rPr lang="en" altLang="zh-CN" sz="1799" kern="1200" dirty="0">
+                          <a:solidFill>
+                            <a:schemeClr val="dk1"/>
+                          </a:solidFill>
+                          <a:effectLst/>
+                          <a:latin typeface="Microsoft YaHei" panose="020B0503020204020204" pitchFamily="34" charset="-122"/>
+                          <a:ea typeface="Microsoft YaHei" panose="020B0503020204020204" pitchFamily="34" charset="-122"/>
+                          <a:cs typeface="+mn-cs"/>
+                        </a:rPr>
+                        <a:t>modules</a:t>
+                      </a:r>
+                      <a:r>
+                        <a:rPr lang="zh-CN" altLang="en-US" sz="1799" kern="1200" dirty="0">
+                          <a:solidFill>
+                            <a:schemeClr val="dk1"/>
+                          </a:solidFill>
+                          <a:effectLst/>
+                          <a:latin typeface="Microsoft YaHei" panose="020B0503020204020204" pitchFamily="34" charset="-122"/>
+                          <a:ea typeface="Microsoft YaHei" panose="020B0503020204020204" pitchFamily="34" charset="-122"/>
+                          <a:cs typeface="+mn-cs"/>
+                        </a:rPr>
+                        <a:t>文件夹源码的阅读及功能分析，初步阅读了部分源码，</a:t>
+                      </a:r>
+                      <a:endParaRPr lang="en-US" altLang="zh-CN" sz="1799" kern="1200" dirty="0">
+                        <a:solidFill>
+                          <a:schemeClr val="dk1"/>
+                        </a:solidFill>
+                        <a:effectLst/>
+                        <a:latin typeface="Microsoft YaHei" panose="020B0503020204020204" pitchFamily="34" charset="-122"/>
+                        <a:ea typeface="Microsoft YaHei" panose="020B0503020204020204" pitchFamily="34" charset="-122"/>
+                        <a:cs typeface="+mn-cs"/>
+                      </a:endParaRPr>
+                    </a:p>
+                    <a:p>
+                      <a:pPr marL="285750" indent="-285750">
+                        <a:buFont typeface="Arial" panose="020B0604020202020204" pitchFamily="34" charset="0"/>
+                        <a:buChar char="•"/>
+                      </a:pPr>
+                      <a:r>
+                        <a:rPr lang="zh-CN" altLang="en-US" sz="1799" kern="1200" dirty="0">
+                          <a:solidFill>
+                            <a:schemeClr val="dk1"/>
+                          </a:solidFill>
+                          <a:effectLst/>
+                          <a:latin typeface="Microsoft YaHei" panose="020B0503020204020204" pitchFamily="34" charset="-122"/>
+                          <a:ea typeface="Microsoft YaHei" panose="020B0503020204020204" pitchFamily="34" charset="-122"/>
+                          <a:cs typeface="+mn-cs"/>
+                        </a:rPr>
+                        <a:t>了解的部分是实现</a:t>
+                      </a:r>
+                      <a:r>
+                        <a:rPr lang="en" altLang="zh-CN" sz="1799" kern="1200" dirty="0">
+                          <a:solidFill>
+                            <a:schemeClr val="dk1"/>
+                          </a:solidFill>
+                          <a:effectLst/>
+                          <a:latin typeface="Microsoft YaHei" panose="020B0503020204020204" pitchFamily="34" charset="-122"/>
+                          <a:ea typeface="Microsoft YaHei" panose="020B0503020204020204" pitchFamily="34" charset="-122"/>
+                          <a:cs typeface="+mn-cs"/>
+                        </a:rPr>
+                        <a:t>LDAP</a:t>
+                      </a:r>
+                      <a:r>
+                        <a:rPr lang="zh-CN" altLang="en-US" sz="1799" kern="1200" dirty="0">
+                          <a:solidFill>
+                            <a:schemeClr val="dk1"/>
+                          </a:solidFill>
+                          <a:effectLst/>
+                          <a:latin typeface="Microsoft YaHei" panose="020B0503020204020204" pitchFamily="34" charset="-122"/>
+                          <a:ea typeface="Microsoft YaHei" panose="020B0503020204020204" pitchFamily="34" charset="-122"/>
+                          <a:cs typeface="+mn-cs"/>
+                        </a:rPr>
+                        <a:t>服务器授权和认证用户。提供了两种身份验证方法：通过</a:t>
+                      </a:r>
+                      <a:r>
+                        <a:rPr lang="en" altLang="zh-CN" sz="1799" kern="1200" dirty="0" err="1">
+                          <a:solidFill>
+                            <a:schemeClr val="dk1"/>
+                          </a:solidFill>
+                          <a:effectLst/>
+                          <a:latin typeface="Microsoft YaHei" panose="020B0503020204020204" pitchFamily="34" charset="-122"/>
+                          <a:ea typeface="Microsoft YaHei" panose="020B0503020204020204" pitchFamily="34" charset="-122"/>
+                          <a:cs typeface="+mn-cs"/>
+                        </a:rPr>
+                        <a:t>BindDN</a:t>
+                      </a:r>
+                      <a:r>
+                        <a:rPr lang="zh-CN" altLang="en-US" sz="1799" kern="1200" dirty="0">
+                          <a:solidFill>
+                            <a:schemeClr val="dk1"/>
+                          </a:solidFill>
+                          <a:effectLst/>
+                          <a:latin typeface="Microsoft YaHei" panose="020B0503020204020204" pitchFamily="34" charset="-122"/>
+                          <a:ea typeface="Microsoft YaHei" panose="020B0503020204020204" pitchFamily="34" charset="-122"/>
+                          <a:cs typeface="+mn-cs"/>
+                        </a:rPr>
+                        <a:t>的</a:t>
+                      </a:r>
+                      <a:r>
+                        <a:rPr lang="en" altLang="zh-CN" sz="1799" kern="1200" dirty="0">
+                          <a:solidFill>
+                            <a:schemeClr val="dk1"/>
+                          </a:solidFill>
+                          <a:effectLst/>
+                          <a:latin typeface="Microsoft YaHei" panose="020B0503020204020204" pitchFamily="34" charset="-122"/>
+                          <a:ea typeface="Microsoft YaHei" panose="020B0503020204020204" pitchFamily="34" charset="-122"/>
+                          <a:cs typeface="+mn-cs"/>
+                        </a:rPr>
+                        <a:t>LDAP</a:t>
+                      </a:r>
+                      <a:r>
+                        <a:rPr lang="zh-CN" altLang="en-US" sz="1799" kern="1200" dirty="0">
+                          <a:solidFill>
+                            <a:schemeClr val="dk1"/>
+                          </a:solidFill>
+                          <a:effectLst/>
+                          <a:latin typeface="Microsoft YaHei" panose="020B0503020204020204" pitchFamily="34" charset="-122"/>
+                          <a:ea typeface="Microsoft YaHei" panose="020B0503020204020204" pitchFamily="34" charset="-122"/>
+                          <a:cs typeface="+mn-cs"/>
+                        </a:rPr>
+                        <a:t>和</a:t>
+                      </a:r>
+                      <a:r>
+                        <a:rPr lang="en" altLang="zh-CN" sz="1799" kern="1200" dirty="0">
+                          <a:solidFill>
+                            <a:schemeClr val="dk1"/>
+                          </a:solidFill>
+                          <a:effectLst/>
+                          <a:latin typeface="Microsoft YaHei" panose="020B0503020204020204" pitchFamily="34" charset="-122"/>
+                          <a:ea typeface="Microsoft YaHei" panose="020B0503020204020204" pitchFamily="34" charset="-122"/>
+                          <a:cs typeface="+mn-cs"/>
+                        </a:rPr>
+                        <a:t>LDAP</a:t>
+                      </a:r>
+                      <a:r>
+                        <a:rPr lang="zh-CN" altLang="en-US" sz="1799" kern="1200" dirty="0">
+                          <a:solidFill>
+                            <a:schemeClr val="dk1"/>
+                          </a:solidFill>
+                          <a:effectLst/>
+                          <a:latin typeface="Microsoft YaHei" panose="020B0503020204020204" pitchFamily="34" charset="-122"/>
+                          <a:ea typeface="Microsoft YaHei" panose="020B0503020204020204" pitchFamily="34" charset="-122"/>
+                          <a:cs typeface="+mn-cs"/>
+                        </a:rPr>
+                        <a:t>简单身份验证。下一步要仔细分析其源码结构，了解其组件之间关系。</a:t>
+                      </a:r>
+                    </a:p>
+                  </a:txBody>
+                  <a:tcPr/>
+                </a:tc>
+                <a:extLst>
+                  <a:ext uri="{0D108BD9-81ED-4DB2-BD59-A6C34878D82A}">
+                    <a16:rowId xmlns:a16="http://schemas.microsoft.com/office/drawing/2014/main" val="2775745850"/>
+                  </a:ext>
+                </a:extLst>
+              </a:tr>
+            </a:tbl>
+          </a:graphicData>
+        </a:graphic>
+      </p:graphicFrame>
+    </p:spTree>
+    <p:extLst>
+      <p:ext uri="{BB962C8B-B14F-4D97-AF65-F5344CB8AC3E}">
+        <p14:creationId xmlns:p14="http://schemas.microsoft.com/office/powerpoint/2010/main" val="4106690632"/>
+      </p:ext>
+    </p:extLst>
+  </p:cSld>
+  <p:clrMapOvr>
+    <a:masterClrMapping/>
+  </p:clrMapOvr>
+  <mc:AlternateContent xmlns:mc="http://schemas.openxmlformats.org/markup-compatibility/2006" xmlns:p14="http://schemas.microsoft.com/office/powerpoint/2010/main">
+    <mc:Choice Requires="p14">
+      <p:transition spd="slow" p14:dur="2000" advTm="3000"/>
+    </mc:Choice>
+    <mc:Fallback xmlns="">
+      <p:transition spd="slow" advTm="3000"/>
+    </mc:Fallback>
+  </mc:AlternateContent>
+</p:sld>
+</file>
+
+<file path=ppt/slides/slide13.xml><?xml version="1.0" encoding="utf-8"?>
+<p:sld xmlns:a="http://schemas.openxmlformats.org/drawingml/2006/main" xmlns:r="http://schemas.openxmlformats.org/officeDocument/2006/relationships" xmlns:p="http://schemas.openxmlformats.org/presentationml/2006/main">
+  <p:cSld>
+    <p:spTree>
+      <p:nvGrpSpPr>
+        <p:cNvPr id="1" name=""/>
+        <p:cNvGrpSpPr/>
+        <p:nvPr/>
+      </p:nvGrpSpPr>
+      <p:grpSpPr>
+        <a:xfrm>
+          <a:off x="0" y="0"/>
+          <a:ext cx="0" cy="0"/>
+          <a:chOff x="0" y="0"/>
+          <a:chExt cx="0" cy="0"/>
+        </a:xfrm>
+      </p:grpSpPr>
+      <p:sp>
+        <p:nvSpPr>
+          <p:cNvPr id="2" name="矩形 1">
+            <a:extLst>
+              <a:ext uri="{FF2B5EF4-FFF2-40B4-BE49-F238E27FC236}">
+                <a16:creationId xmlns:a16="http://schemas.microsoft.com/office/drawing/2014/main" id="{4360F02C-55DD-CA45-A8E3-69F39464EDFF}"/>
+              </a:ext>
+            </a:extLst>
+          </p:cNvPr>
+          <p:cNvSpPr/>
+          <p:nvPr/>
+        </p:nvSpPr>
+        <p:spPr>
+          <a:xfrm>
+            <a:off x="1089213" y="354830"/>
+            <a:ext cx="2541494" cy="523220"/>
+          </a:xfrm>
+          <a:prstGeom prst="rect">
+            <a:avLst/>
+          </a:prstGeom>
+        </p:spPr>
+        <p:txBody>
+          <a:bodyPr wrap="square">
+            <a:spAutoFit/>
+          </a:bodyPr>
+          <a:lstStyle/>
+          <a:p>
+            <a:pPr algn="dist"/>
+            <a:r>
+              <a:rPr lang="zh-CN" altLang="en-US" sz="2800" b="1" dirty="0">
+                <a:solidFill>
+                  <a:srgbClr val="93C3C2"/>
+                </a:solidFill>
+                <a:latin typeface="Arial" panose="020B0604020202020204" pitchFamily="34" charset="0"/>
+                <a:ea typeface="思源黑体 CN Regular" panose="020B0500000000000000" pitchFamily="34" charset="-122"/>
+                <a:cs typeface="+mn-ea"/>
+                <a:sym typeface="Arial" panose="020B0604020202020204" pitchFamily="34" charset="0"/>
+              </a:rPr>
+              <a:t>人员分工</a:t>
+            </a:r>
+          </a:p>
+        </p:txBody>
+      </p:sp>
+      <p:graphicFrame>
+        <p:nvGraphicFramePr>
+          <p:cNvPr id="5" name="表格 4">
+            <a:extLst>
+              <a:ext uri="{FF2B5EF4-FFF2-40B4-BE49-F238E27FC236}">
+                <a16:creationId xmlns:a16="http://schemas.microsoft.com/office/drawing/2014/main" id="{3AC998D5-3738-094C-B789-0098B44A7371}"/>
+              </a:ext>
+            </a:extLst>
+          </p:cNvPr>
+          <p:cNvGraphicFramePr>
+            <a:graphicFrameLocks noGrp="1"/>
+          </p:cNvGraphicFramePr>
+          <p:nvPr>
+            <p:extLst>
+              <p:ext uri="{D42A27DB-BD31-4B8C-83A1-F6EECF244321}">
+                <p14:modId xmlns:p14="http://schemas.microsoft.com/office/powerpoint/2010/main" val="80025553"/>
+              </p:ext>
+            </p:extLst>
+          </p:nvPr>
+        </p:nvGraphicFramePr>
+        <p:xfrm>
+          <a:off x="1089213" y="878051"/>
+          <a:ext cx="11099612" cy="5979950"/>
+        </p:xfrm>
+        <a:graphic>
+          <a:graphicData uri="http://schemas.openxmlformats.org/drawingml/2006/table">
+            <a:tbl>
+              <a:tblPr firstRow="1" bandRow="1">
+                <a:tableStyleId>{5C22544A-7EE6-4342-B048-85BDC9FD1C3A}</a:tableStyleId>
+              </a:tblPr>
+              <a:tblGrid>
+                <a:gridCol w="1223681">
+                  <a:extLst>
+                    <a:ext uri="{9D8B030D-6E8A-4147-A177-3AD203B41FA5}">
+                      <a16:colId xmlns:a16="http://schemas.microsoft.com/office/drawing/2014/main" val="91267249"/>
+                    </a:ext>
+                  </a:extLst>
+                </a:gridCol>
+                <a:gridCol w="9875931">
+                  <a:extLst>
+                    <a:ext uri="{9D8B030D-6E8A-4147-A177-3AD203B41FA5}">
+                      <a16:colId xmlns:a16="http://schemas.microsoft.com/office/drawing/2014/main" val="1916433775"/>
+                    </a:ext>
+                  </a:extLst>
+                </a:gridCol>
+              </a:tblGrid>
+              <a:tr h="429820">
+                <a:tc>
+                  <a:txBody>
+                    <a:bodyPr/>
+                    <a:lstStyle/>
+                    <a:p>
+                      <a:r>
+                        <a:rPr lang="zh-CN" altLang="en-US" dirty="0">
+                          <a:latin typeface="Microsoft YaHei" panose="020B0503020204020204" pitchFamily="34" charset="-122"/>
+                          <a:ea typeface="Microsoft YaHei" panose="020B0503020204020204" pitchFamily="34" charset="-122"/>
+                        </a:rPr>
+                        <a:t>人员</a:t>
+                      </a:r>
+                    </a:p>
+                  </a:txBody>
+                  <a:tcPr/>
+                </a:tc>
+                <a:tc>
+                  <a:txBody>
+                    <a:bodyPr/>
+                    <a:lstStyle/>
+                    <a:p>
+                      <a:r>
+                        <a:rPr lang="zh-CN" altLang="en-US" dirty="0">
+                          <a:latin typeface="Microsoft YaHei" panose="020B0503020204020204" pitchFamily="34" charset="-122"/>
+                          <a:ea typeface="Microsoft YaHei" panose="020B0503020204020204" pitchFamily="34" charset="-122"/>
+                        </a:rPr>
+                        <a:t>任务</a:t>
+                      </a:r>
+                    </a:p>
+                  </a:txBody>
+                  <a:tcPr/>
+                </a:tc>
+                <a:extLst>
+                  <a:ext uri="{0D108BD9-81ED-4DB2-BD59-A6C34878D82A}">
+                    <a16:rowId xmlns:a16="http://schemas.microsoft.com/office/drawing/2014/main" val="2973110466"/>
+                  </a:ext>
+                </a:extLst>
+              </a:tr>
+              <a:tr h="1391342">
+                <a:tc>
+                  <a:txBody>
+                    <a:bodyPr/>
+                    <a:lstStyle/>
+                    <a:p>
+                      <a:r>
+                        <a:rPr lang="zh-CN" altLang="en-US" dirty="0">
+                          <a:latin typeface="Microsoft YaHei" panose="020B0503020204020204" pitchFamily="34" charset="-122"/>
+                          <a:ea typeface="Microsoft YaHei" panose="020B0503020204020204" pitchFamily="34" charset="-122"/>
+                        </a:rPr>
+                        <a:t>麦梓健</a:t>
+                      </a:r>
+                    </a:p>
+                  </a:txBody>
+                  <a:tcPr/>
+                </a:tc>
+                <a:tc>
+                  <a:txBody>
+                    <a:bodyPr/>
+                    <a:lstStyle/>
+                    <a:p>
+                      <a:pPr marL="285750" marR="0" lvl="0" indent="-285750" algn="l" defTabSz="914126" rtl="0" eaLnBrk="1" fontAlgn="auto" latinLnBrk="0" hangingPunct="1">
+                        <a:lnSpc>
+                          <a:spcPct val="100000"/>
+                        </a:lnSpc>
+                        <a:spcBef>
+                          <a:spcPts val="0"/>
+                        </a:spcBef>
+                        <a:spcAft>
+                          <a:spcPts val="0"/>
+                        </a:spcAft>
+                        <a:buClrTx/>
+                        <a:buSzTx/>
+                        <a:buFont typeface="Arial" panose="020B0604020202020204" pitchFamily="34" charset="0"/>
+                        <a:buChar char="•"/>
+                        <a:tabLst/>
+                        <a:defRPr/>
+                      </a:pPr>
+                      <a:r>
+                        <a:rPr lang="zh-CN" altLang="en-US" sz="1799" kern="1200" dirty="0">
+                          <a:solidFill>
+                            <a:schemeClr val="dk1"/>
+                          </a:solidFill>
+                          <a:effectLst/>
+                          <a:latin typeface="Microsoft YaHei" panose="020B0503020204020204" pitchFamily="34" charset="-122"/>
+                          <a:ea typeface="Microsoft YaHei" panose="020B0503020204020204" pitchFamily="34" charset="-122"/>
+                          <a:cs typeface="+mn-cs"/>
+                        </a:rPr>
+                        <a:t>每周会议、问题记录归档。每周群聊问题交流总结记录</a:t>
+                      </a:r>
+                      <a:endParaRPr lang="en-US" altLang="zh-CN" sz="1799" kern="1200" dirty="0">
+                        <a:solidFill>
+                          <a:schemeClr val="dk1"/>
+                        </a:solidFill>
+                        <a:effectLst/>
+                        <a:latin typeface="Microsoft YaHei" panose="020B0503020204020204" pitchFamily="34" charset="-122"/>
+                        <a:ea typeface="Microsoft YaHei" panose="020B0503020204020204" pitchFamily="34" charset="-122"/>
+                        <a:cs typeface="+mn-cs"/>
+                      </a:endParaRPr>
+                    </a:p>
+                    <a:p>
+                      <a:pPr marL="285750" marR="0" lvl="0" indent="-285750" algn="l" defTabSz="914126" rtl="0" eaLnBrk="1" fontAlgn="auto" latinLnBrk="0" hangingPunct="1">
+                        <a:lnSpc>
+                          <a:spcPct val="100000"/>
+                        </a:lnSpc>
+                        <a:spcBef>
+                          <a:spcPts val="0"/>
+                        </a:spcBef>
+                        <a:spcAft>
+                          <a:spcPts val="0"/>
+                        </a:spcAft>
+                        <a:buClrTx/>
+                        <a:buSzTx/>
+                        <a:buFont typeface="Arial" panose="020B0604020202020204" pitchFamily="34" charset="0"/>
+                        <a:buChar char="•"/>
+                        <a:tabLst/>
+                        <a:defRPr/>
+                      </a:pPr>
+                      <a:r>
+                        <a:rPr lang="zh-CN" altLang="en-US" sz="1799" kern="1200" dirty="0">
+                          <a:solidFill>
+                            <a:schemeClr val="dk1"/>
+                          </a:solidFill>
+                          <a:effectLst/>
+                          <a:latin typeface="Microsoft YaHei" panose="020B0503020204020204" pitchFamily="34" charset="-122"/>
+                          <a:ea typeface="Microsoft YaHei" panose="020B0503020204020204" pitchFamily="34" charset="-122"/>
+                          <a:cs typeface="+mn-cs"/>
+                        </a:rPr>
+                        <a:t>每周汇报</a:t>
+                      </a:r>
+                      <a:r>
+                        <a:rPr lang="en-US" altLang="zh-CN" sz="1799" kern="1200" dirty="0">
+                          <a:solidFill>
+                            <a:schemeClr val="dk1"/>
+                          </a:solidFill>
+                          <a:effectLst/>
+                          <a:latin typeface="Microsoft YaHei" panose="020B0503020204020204" pitchFamily="34" charset="-122"/>
+                          <a:ea typeface="Microsoft YaHei" panose="020B0503020204020204" pitchFamily="34" charset="-122"/>
+                          <a:cs typeface="+mn-cs"/>
+                        </a:rPr>
+                        <a:t>PPT</a:t>
+                      </a:r>
+                      <a:r>
+                        <a:rPr lang="zh-CN" altLang="en-US" sz="1799" kern="1200" dirty="0">
+                          <a:solidFill>
+                            <a:schemeClr val="dk1"/>
+                          </a:solidFill>
+                          <a:effectLst/>
+                          <a:latin typeface="Microsoft YaHei" panose="020B0503020204020204" pitchFamily="34" charset="-122"/>
+                          <a:ea typeface="Microsoft YaHei" panose="020B0503020204020204" pitchFamily="34" charset="-122"/>
+                          <a:cs typeface="+mn-cs"/>
+                        </a:rPr>
+                        <a:t>展示制作</a:t>
+                      </a:r>
+                      <a:endParaRPr lang="en-US" altLang="zh-CN" sz="1799" kern="1200" dirty="0">
+                        <a:solidFill>
+                          <a:schemeClr val="dk1"/>
+                        </a:solidFill>
+                        <a:effectLst/>
+                        <a:latin typeface="Microsoft YaHei" panose="020B0503020204020204" pitchFamily="34" charset="-122"/>
+                        <a:ea typeface="Microsoft YaHei" panose="020B0503020204020204" pitchFamily="34" charset="-122"/>
+                        <a:cs typeface="+mn-cs"/>
+                      </a:endParaRPr>
+                    </a:p>
+                    <a:p>
+                      <a:pPr marL="285750" marR="0" lvl="0" indent="-285750" algn="l" defTabSz="914126" rtl="0" eaLnBrk="1" fontAlgn="auto" latinLnBrk="0" hangingPunct="1">
+                        <a:lnSpc>
+                          <a:spcPct val="100000"/>
+                        </a:lnSpc>
+                        <a:spcBef>
+                          <a:spcPts val="0"/>
+                        </a:spcBef>
+                        <a:spcAft>
+                          <a:spcPts val="0"/>
+                        </a:spcAft>
+                        <a:buClrTx/>
+                        <a:buSzTx/>
+                        <a:buFont typeface="Arial" panose="020B0604020202020204" pitchFamily="34" charset="0"/>
+                        <a:buChar char="•"/>
+                        <a:tabLst/>
+                        <a:defRPr/>
+                      </a:pPr>
+                      <a:r>
+                        <a:rPr lang="zh-CN" altLang="en-US" sz="1799" kern="1200" dirty="0">
+                          <a:solidFill>
+                            <a:schemeClr val="dk1"/>
+                          </a:solidFill>
+                          <a:effectLst/>
+                          <a:latin typeface="Microsoft YaHei" panose="020B0503020204020204" pitchFamily="34" charset="-122"/>
+                          <a:ea typeface="Microsoft YaHei" panose="020B0503020204020204" pitchFamily="34" charset="-122"/>
+                          <a:cs typeface="+mn-cs"/>
+                        </a:rPr>
+                        <a:t>实验报告初稿制作、版本更新以及文档各版本问题记录</a:t>
+                      </a:r>
+                      <a:endParaRPr lang="en-US" altLang="zh-CN" sz="1799" kern="1200" dirty="0">
+                        <a:solidFill>
+                          <a:schemeClr val="dk1"/>
+                        </a:solidFill>
+                        <a:effectLst/>
+                        <a:latin typeface="Microsoft YaHei" panose="020B0503020204020204" pitchFamily="34" charset="-122"/>
+                        <a:ea typeface="Microsoft YaHei" panose="020B0503020204020204" pitchFamily="34" charset="-122"/>
+                        <a:cs typeface="+mn-cs"/>
+                      </a:endParaRPr>
+                    </a:p>
+                    <a:p>
+                      <a:pPr marL="285750" marR="0" lvl="0" indent="-285750" algn="l" defTabSz="914126" rtl="0" eaLnBrk="1" fontAlgn="auto" latinLnBrk="0" hangingPunct="1">
+                        <a:lnSpc>
+                          <a:spcPct val="100000"/>
+                        </a:lnSpc>
+                        <a:spcBef>
+                          <a:spcPts val="0"/>
+                        </a:spcBef>
+                        <a:spcAft>
+                          <a:spcPts val="0"/>
+                        </a:spcAft>
+                        <a:buClrTx/>
+                        <a:buSzTx/>
+                        <a:buFont typeface="Arial" panose="020B0604020202020204" pitchFamily="34" charset="0"/>
+                        <a:buChar char="•"/>
+                        <a:tabLst/>
+                        <a:defRPr/>
+                      </a:pPr>
+                      <a:r>
+                        <a:rPr lang="zh-CN" altLang="en-US" sz="1799" kern="1200" dirty="0">
+                          <a:solidFill>
+                            <a:schemeClr val="dk1"/>
+                          </a:solidFill>
+                          <a:effectLst/>
+                          <a:latin typeface="Microsoft YaHei" panose="020B0503020204020204" pitchFamily="34" charset="-122"/>
+                          <a:ea typeface="Microsoft YaHei" panose="020B0503020204020204" pitchFamily="34" charset="-122"/>
+                          <a:cs typeface="+mn-cs"/>
+                        </a:rPr>
+                        <a:t>组员工作协调、沟通</a:t>
+                      </a:r>
+                    </a:p>
+                  </a:txBody>
+                  <a:tcPr/>
+                </a:tc>
+                <a:extLst>
+                  <a:ext uri="{0D108BD9-81ED-4DB2-BD59-A6C34878D82A}">
+                    <a16:rowId xmlns:a16="http://schemas.microsoft.com/office/drawing/2014/main" val="3696779508"/>
+                  </a:ext>
+                </a:extLst>
+              </a:tr>
+              <a:tr h="1600469">
+                <a:tc>
+                  <a:txBody>
+                    <a:bodyPr/>
+                    <a:lstStyle/>
+                    <a:p>
+                      <a:pPr marL="0" marR="0" lvl="0" indent="0" algn="l" defTabSz="914126" rtl="0" eaLnBrk="1" fontAlgn="auto" latinLnBrk="0" hangingPunct="1">
+                        <a:lnSpc>
+                          <a:spcPct val="100000"/>
+                        </a:lnSpc>
+                        <a:spcBef>
+                          <a:spcPts val="0"/>
+                        </a:spcBef>
+                        <a:spcAft>
+                          <a:spcPts val="0"/>
+                        </a:spcAft>
+                        <a:buClrTx/>
+                        <a:buSzTx/>
+                        <a:buFontTx/>
+                        <a:buNone/>
+                        <a:tabLst/>
+                        <a:defRPr/>
+                      </a:pPr>
+                      <a:r>
+                        <a:rPr lang="zh-CN" altLang="en-US" dirty="0">
+                          <a:latin typeface="Microsoft YaHei" panose="020B0503020204020204" pitchFamily="34" charset="-122"/>
+                          <a:ea typeface="Microsoft YaHei" panose="020B0503020204020204" pitchFamily="34" charset="-122"/>
+                        </a:rPr>
+                        <a:t>洪治凑</a:t>
+                      </a:r>
+                    </a:p>
+                  </a:txBody>
+                  <a:tcPr/>
+                </a:tc>
+                <a:tc>
+                  <a:txBody>
+                    <a:bodyPr/>
+                    <a:lstStyle/>
+                    <a:p>
+                      <a:pPr marL="285750" marR="0" lvl="0" indent="-285750" algn="l" defTabSz="914126" rtl="0" eaLnBrk="1" fontAlgn="auto" latinLnBrk="0" hangingPunct="1">
+                        <a:lnSpc>
+                          <a:spcPct val="100000"/>
+                        </a:lnSpc>
+                        <a:spcBef>
+                          <a:spcPts val="0"/>
+                        </a:spcBef>
+                        <a:spcAft>
+                          <a:spcPts val="0"/>
+                        </a:spcAft>
+                        <a:buClrTx/>
+                        <a:buSzTx/>
+                        <a:buFont typeface="Arial" panose="020B0604020202020204" pitchFamily="34" charset="0"/>
+                        <a:buChar char="•"/>
+                        <a:tabLst/>
+                        <a:defRPr/>
+                      </a:pPr>
+                      <a:r>
+                        <a:rPr lang="zh-CN" altLang="en-US" sz="1799" kern="1200" dirty="0">
+                          <a:solidFill>
+                            <a:schemeClr val="dk1"/>
+                          </a:solidFill>
+                          <a:effectLst/>
+                          <a:latin typeface="Microsoft YaHei" panose="020B0503020204020204" pitchFamily="34" charset="-122"/>
+                          <a:ea typeface="Microsoft YaHei" panose="020B0503020204020204" pitchFamily="34" charset="-122"/>
+                          <a:cs typeface="+mn-cs"/>
+                        </a:rPr>
+                        <a:t>主要负责</a:t>
+                      </a:r>
+                      <a:r>
+                        <a:rPr lang="en-US" altLang="zh-CN" sz="1799" kern="1200" dirty="0">
+                          <a:solidFill>
+                            <a:schemeClr val="dk1"/>
+                          </a:solidFill>
+                          <a:effectLst/>
+                          <a:latin typeface="Microsoft YaHei" panose="020B0503020204020204" pitchFamily="34" charset="-122"/>
+                          <a:ea typeface="Microsoft YaHei" panose="020B0503020204020204" pitchFamily="34" charset="-122"/>
+                          <a:cs typeface="+mn-cs"/>
+                        </a:rPr>
+                        <a:t>MS</a:t>
+                      </a:r>
+                      <a:r>
+                        <a:rPr lang="zh-CN" altLang="en-US" sz="1799" kern="1200" dirty="0">
+                          <a:solidFill>
+                            <a:schemeClr val="dk1"/>
+                          </a:solidFill>
+                          <a:effectLst/>
+                          <a:latin typeface="Microsoft YaHei" panose="020B0503020204020204" pitchFamily="34" charset="-122"/>
+                          <a:ea typeface="Microsoft YaHei" panose="020B0503020204020204" pitchFamily="34" charset="-122"/>
+                          <a:cs typeface="+mn-cs"/>
+                        </a:rPr>
+                        <a:t> </a:t>
+                      </a:r>
+                      <a:r>
+                        <a:rPr lang="en-US" altLang="zh-CN" sz="1799" kern="1200" dirty="0">
+                          <a:solidFill>
+                            <a:schemeClr val="dk1"/>
+                          </a:solidFill>
+                          <a:effectLst/>
+                          <a:latin typeface="Microsoft YaHei" panose="020B0503020204020204" pitchFamily="34" charset="-122"/>
+                          <a:ea typeface="Microsoft YaHei" panose="020B0503020204020204" pitchFamily="34" charset="-122"/>
+                          <a:cs typeface="+mn-cs"/>
+                        </a:rPr>
+                        <a:t>Project</a:t>
+                      </a:r>
+                      <a:r>
+                        <a:rPr lang="zh-CN" altLang="en-US" sz="1799" kern="1200" dirty="0">
+                          <a:solidFill>
+                            <a:schemeClr val="dk1"/>
+                          </a:solidFill>
+                          <a:effectLst/>
+                          <a:latin typeface="Microsoft YaHei" panose="020B0503020204020204" pitchFamily="34" charset="-122"/>
+                          <a:ea typeface="Microsoft YaHei" panose="020B0503020204020204" pitchFamily="34" charset="-122"/>
+                          <a:cs typeface="+mn-cs"/>
+                        </a:rPr>
+                        <a:t>的任务计划管理以及工作量的统计分析，包括</a:t>
+                      </a:r>
+                      <a:endParaRPr lang="en-US" altLang="zh-CN" sz="1799" kern="1200" dirty="0">
+                        <a:solidFill>
+                          <a:schemeClr val="dk1"/>
+                        </a:solidFill>
+                        <a:effectLst/>
+                        <a:latin typeface="Microsoft YaHei" panose="020B0503020204020204" pitchFamily="34" charset="-122"/>
+                        <a:ea typeface="Microsoft YaHei" panose="020B0503020204020204" pitchFamily="34" charset="-122"/>
+                        <a:cs typeface="+mn-cs"/>
+                      </a:endParaRPr>
+                    </a:p>
+                    <a:p>
+                      <a:pPr marL="285750" marR="0" lvl="0" indent="-285750" algn="l" defTabSz="914126" rtl="0" eaLnBrk="1" fontAlgn="auto" latinLnBrk="0" hangingPunct="1">
+                        <a:lnSpc>
+                          <a:spcPct val="100000"/>
+                        </a:lnSpc>
+                        <a:spcBef>
+                          <a:spcPts val="0"/>
+                        </a:spcBef>
+                        <a:spcAft>
+                          <a:spcPts val="0"/>
+                        </a:spcAft>
+                        <a:buClrTx/>
+                        <a:buSzTx/>
+                        <a:buFont typeface="Arial" panose="020B0604020202020204" pitchFamily="34" charset="0"/>
+                        <a:buChar char="•"/>
+                        <a:tabLst/>
+                        <a:defRPr/>
+                      </a:pPr>
+                      <a:r>
+                        <a:rPr lang="zh-CN" altLang="en-US" sz="1799" kern="1200" dirty="0">
+                          <a:solidFill>
+                            <a:schemeClr val="dk1"/>
+                          </a:solidFill>
+                          <a:effectLst/>
+                          <a:latin typeface="Microsoft YaHei" panose="020B0503020204020204" pitchFamily="34" charset="-122"/>
+                          <a:ea typeface="Microsoft YaHei" panose="020B0503020204020204" pitchFamily="34" charset="-122"/>
+                          <a:cs typeface="+mn-cs"/>
+                        </a:rPr>
+                        <a:t>任务的计划、分解</a:t>
+                      </a:r>
+                      <a:endParaRPr lang="en-US" altLang="zh-CN" sz="1799" kern="1200" dirty="0">
+                        <a:solidFill>
+                          <a:schemeClr val="dk1"/>
+                        </a:solidFill>
+                        <a:effectLst/>
+                        <a:latin typeface="Microsoft YaHei" panose="020B0503020204020204" pitchFamily="34" charset="-122"/>
+                        <a:ea typeface="Microsoft YaHei" panose="020B0503020204020204" pitchFamily="34" charset="-122"/>
+                        <a:cs typeface="+mn-cs"/>
+                      </a:endParaRPr>
+                    </a:p>
+                    <a:p>
+                      <a:pPr marL="285750" marR="0" lvl="0" indent="-285750" algn="l" defTabSz="914126" rtl="0" eaLnBrk="1" fontAlgn="auto" latinLnBrk="0" hangingPunct="1">
+                        <a:lnSpc>
+                          <a:spcPct val="100000"/>
+                        </a:lnSpc>
+                        <a:spcBef>
+                          <a:spcPts val="0"/>
+                        </a:spcBef>
+                        <a:spcAft>
+                          <a:spcPts val="0"/>
+                        </a:spcAft>
+                        <a:buClrTx/>
+                        <a:buSzTx/>
+                        <a:buFont typeface="Arial" panose="020B0604020202020204" pitchFamily="34" charset="0"/>
+                        <a:buChar char="•"/>
+                        <a:tabLst/>
+                        <a:defRPr/>
+                      </a:pPr>
+                      <a:r>
+                        <a:rPr lang="zh-CN" altLang="en-US" sz="1799" kern="1200" dirty="0">
+                          <a:solidFill>
+                            <a:schemeClr val="dk1"/>
+                          </a:solidFill>
+                          <a:effectLst/>
+                          <a:latin typeface="Microsoft YaHei" panose="020B0503020204020204" pitchFamily="34" charset="-122"/>
+                          <a:ea typeface="Microsoft YaHei" panose="020B0503020204020204" pitchFamily="34" charset="-122"/>
+                          <a:cs typeface="+mn-cs"/>
+                        </a:rPr>
+                        <a:t>工作每周追踪、跟进</a:t>
+                      </a:r>
+                      <a:endParaRPr lang="en-US" altLang="zh-CN" sz="1799" kern="1200" dirty="0">
+                        <a:solidFill>
+                          <a:schemeClr val="dk1"/>
+                        </a:solidFill>
+                        <a:effectLst/>
+                        <a:latin typeface="Microsoft YaHei" panose="020B0503020204020204" pitchFamily="34" charset="-122"/>
+                        <a:ea typeface="Microsoft YaHei" panose="020B0503020204020204" pitchFamily="34" charset="-122"/>
+                        <a:cs typeface="+mn-cs"/>
+                      </a:endParaRPr>
+                    </a:p>
+                    <a:p>
+                      <a:pPr marL="285750" marR="0" lvl="0" indent="-285750" algn="l" defTabSz="914126" rtl="0" eaLnBrk="1" fontAlgn="auto" latinLnBrk="0" hangingPunct="1">
+                        <a:lnSpc>
+                          <a:spcPct val="100000"/>
+                        </a:lnSpc>
+                        <a:spcBef>
+                          <a:spcPts val="0"/>
+                        </a:spcBef>
+                        <a:spcAft>
+                          <a:spcPts val="0"/>
+                        </a:spcAft>
+                        <a:buClrTx/>
+                        <a:buSzTx/>
+                        <a:buFont typeface="Arial" panose="020B0604020202020204" pitchFamily="34" charset="0"/>
+                        <a:buChar char="•"/>
+                        <a:tabLst/>
+                        <a:defRPr/>
+                      </a:pPr>
+                      <a:r>
+                        <a:rPr lang="zh-CN" altLang="en-US" sz="1799" kern="1200" dirty="0">
+                          <a:solidFill>
+                            <a:schemeClr val="dk1"/>
+                          </a:solidFill>
+                          <a:effectLst/>
+                          <a:latin typeface="Microsoft YaHei" panose="020B0503020204020204" pitchFamily="34" charset="-122"/>
+                          <a:ea typeface="Microsoft YaHei" panose="020B0503020204020204" pitchFamily="34" charset="-122"/>
+                          <a:cs typeface="+mn-cs"/>
+                        </a:rPr>
+                        <a:t>问题原因的分析等等</a:t>
+                      </a:r>
+                      <a:endParaRPr lang="en-US" altLang="zh-CN" sz="1799" kern="1200" dirty="0">
+                        <a:solidFill>
+                          <a:schemeClr val="dk1"/>
+                        </a:solidFill>
+                        <a:effectLst/>
+                        <a:latin typeface="Microsoft YaHei" panose="020B0503020204020204" pitchFamily="34" charset="-122"/>
+                        <a:ea typeface="Microsoft YaHei" panose="020B0503020204020204" pitchFamily="34" charset="-122"/>
+                        <a:cs typeface="+mn-cs"/>
+                      </a:endParaRPr>
+                    </a:p>
+                    <a:p>
+                      <a:pPr marL="285750" marR="0" lvl="0" indent="-285750" algn="l" defTabSz="914126" rtl="0" eaLnBrk="1" fontAlgn="auto" latinLnBrk="0" hangingPunct="1">
+                        <a:lnSpc>
+                          <a:spcPct val="100000"/>
+                        </a:lnSpc>
+                        <a:spcBef>
+                          <a:spcPts val="0"/>
+                        </a:spcBef>
+                        <a:spcAft>
+                          <a:spcPts val="0"/>
+                        </a:spcAft>
+                        <a:buClrTx/>
+                        <a:buSzTx/>
+                        <a:buFont typeface="Arial" panose="020B0604020202020204" pitchFamily="34" charset="0"/>
+                        <a:buChar char="•"/>
+                        <a:tabLst/>
+                        <a:defRPr/>
+                      </a:pPr>
+                      <a:r>
+                        <a:rPr lang="zh-CN" altLang="en-US" sz="1799" kern="1200" dirty="0">
+                          <a:solidFill>
+                            <a:schemeClr val="dk1"/>
+                          </a:solidFill>
+                          <a:effectLst/>
+                          <a:latin typeface="Microsoft YaHei" panose="020B0503020204020204" pitchFamily="34" charset="-122"/>
+                          <a:ea typeface="Microsoft YaHei" panose="020B0503020204020204" pitchFamily="34" charset="-122"/>
+                          <a:cs typeface="+mn-cs"/>
+                        </a:rPr>
+                        <a:t>这几周正在学习相关知识</a:t>
+                      </a:r>
+                    </a:p>
+                  </a:txBody>
+                  <a:tcPr/>
+                </a:tc>
+                <a:extLst>
+                  <a:ext uri="{0D108BD9-81ED-4DB2-BD59-A6C34878D82A}">
+                    <a16:rowId xmlns:a16="http://schemas.microsoft.com/office/drawing/2014/main" val="1169061895"/>
+                  </a:ext>
+                </a:extLst>
+              </a:tr>
+              <a:tr h="2558319">
+                <a:tc>
+                  <a:txBody>
+                    <a:bodyPr/>
+                    <a:lstStyle/>
+                    <a:p>
+                      <a:pPr marL="0" marR="0" lvl="0" indent="0" algn="l" defTabSz="914126" rtl="0" eaLnBrk="1" fontAlgn="auto" latinLnBrk="0" hangingPunct="1">
+                        <a:lnSpc>
+                          <a:spcPct val="100000"/>
+                        </a:lnSpc>
+                        <a:spcBef>
+                          <a:spcPts val="0"/>
+                        </a:spcBef>
+                        <a:spcAft>
+                          <a:spcPts val="0"/>
+                        </a:spcAft>
+                        <a:buClrTx/>
+                        <a:buSzTx/>
+                        <a:buFontTx/>
+                        <a:buNone/>
+                        <a:tabLst/>
+                        <a:defRPr/>
+                      </a:pPr>
+                      <a:r>
+                        <a:rPr lang="zh-CN" altLang="en-US" dirty="0">
+                          <a:latin typeface="Microsoft YaHei" panose="020B0503020204020204" pitchFamily="34" charset="-122"/>
+                          <a:ea typeface="Microsoft YaHei" panose="020B0503020204020204" pitchFamily="34" charset="-122"/>
+                        </a:rPr>
+                        <a:t>王伟民</a:t>
+                      </a:r>
+                    </a:p>
+                  </a:txBody>
+                  <a:tcPr/>
+                </a:tc>
+                <a:tc>
+                  <a:txBody>
+                    <a:bodyPr/>
+                    <a:lstStyle/>
+                    <a:p>
+                      <a:pPr marL="285750" indent="-285750">
+                        <a:buFont typeface="Arial" panose="020B0604020202020204" pitchFamily="34" charset="0"/>
+                        <a:buChar char="•"/>
+                      </a:pPr>
+                      <a:r>
+                        <a:rPr lang="zh-CN" altLang="en-US" sz="1799" kern="1200" dirty="0">
+                          <a:solidFill>
+                            <a:schemeClr val="dk1"/>
+                          </a:solidFill>
+                          <a:effectLst/>
+                          <a:latin typeface="Microsoft YaHei" panose="020B0503020204020204" pitchFamily="34" charset="-122"/>
+                          <a:ea typeface="Microsoft YaHei" panose="020B0503020204020204" pitchFamily="34" charset="-122"/>
+                          <a:cs typeface="+mn-cs"/>
+                        </a:rPr>
+                        <a:t>主要负责开发和测试部分。过去这一周主要回顾了一下</a:t>
+                      </a:r>
+                      <a:r>
+                        <a:rPr lang="en" altLang="zh-CN" sz="1799" kern="1200" dirty="0">
+                          <a:solidFill>
+                            <a:schemeClr val="dk1"/>
+                          </a:solidFill>
+                          <a:effectLst/>
+                          <a:latin typeface="Microsoft YaHei" panose="020B0503020204020204" pitchFamily="34" charset="-122"/>
+                          <a:ea typeface="Microsoft YaHei" panose="020B0503020204020204" pitchFamily="34" charset="-122"/>
+                          <a:cs typeface="+mn-cs"/>
+                        </a:rPr>
+                        <a:t>Go</a:t>
+                      </a:r>
+                      <a:r>
+                        <a:rPr lang="zh-CN" altLang="en-US" sz="1799" kern="1200" dirty="0">
+                          <a:solidFill>
+                            <a:schemeClr val="dk1"/>
+                          </a:solidFill>
+                          <a:effectLst/>
+                          <a:latin typeface="Microsoft YaHei" panose="020B0503020204020204" pitchFamily="34" charset="-122"/>
+                          <a:ea typeface="Microsoft YaHei" panose="020B0503020204020204" pitchFamily="34" charset="-122"/>
+                          <a:cs typeface="+mn-cs"/>
+                        </a:rPr>
+                        <a:t>的语法，并且在本地编译通过了</a:t>
+                      </a:r>
+                      <a:r>
+                        <a:rPr lang="en" altLang="zh-CN" sz="1799" kern="1200" dirty="0" err="1">
+                          <a:solidFill>
+                            <a:schemeClr val="dk1"/>
+                          </a:solidFill>
+                          <a:effectLst/>
+                          <a:latin typeface="Microsoft YaHei" panose="020B0503020204020204" pitchFamily="34" charset="-122"/>
+                          <a:ea typeface="Microsoft YaHei" panose="020B0503020204020204" pitchFamily="34" charset="-122"/>
+                          <a:cs typeface="+mn-cs"/>
+                        </a:rPr>
+                        <a:t>Gitea</a:t>
+                      </a:r>
+                      <a:r>
+                        <a:rPr lang="zh-CN" altLang="en-US" sz="1799" kern="1200" dirty="0">
+                          <a:solidFill>
+                            <a:schemeClr val="dk1"/>
+                          </a:solidFill>
+                          <a:effectLst/>
+                          <a:latin typeface="Microsoft YaHei" panose="020B0503020204020204" pitchFamily="34" charset="-122"/>
+                          <a:ea typeface="Microsoft YaHei" panose="020B0503020204020204" pitchFamily="34" charset="-122"/>
+                          <a:cs typeface="+mn-cs"/>
+                        </a:rPr>
+                        <a:t>的代码。尝试寻找</a:t>
+                      </a:r>
+                      <a:r>
+                        <a:rPr lang="en" altLang="zh-CN" sz="1799" kern="1200" dirty="0" err="1">
+                          <a:solidFill>
+                            <a:schemeClr val="dk1"/>
+                          </a:solidFill>
+                          <a:effectLst/>
+                          <a:latin typeface="Microsoft YaHei" panose="020B0503020204020204" pitchFamily="34" charset="-122"/>
+                          <a:ea typeface="Microsoft YaHei" panose="020B0503020204020204" pitchFamily="34" charset="-122"/>
+                          <a:cs typeface="+mn-cs"/>
+                        </a:rPr>
+                        <a:t>Gitea</a:t>
+                      </a:r>
+                      <a:r>
+                        <a:rPr lang="zh-CN" altLang="en-US" sz="1799" kern="1200" dirty="0">
+                          <a:solidFill>
+                            <a:schemeClr val="dk1"/>
+                          </a:solidFill>
+                          <a:effectLst/>
+                          <a:latin typeface="Microsoft YaHei" panose="020B0503020204020204" pitchFamily="34" charset="-122"/>
+                          <a:ea typeface="Microsoft YaHei" panose="020B0503020204020204" pitchFamily="34" charset="-122"/>
+                          <a:cs typeface="+mn-cs"/>
+                        </a:rPr>
+                        <a:t>的实现文档</a:t>
+                      </a:r>
+                    </a:p>
+                    <a:p>
+                      <a:pPr marL="285750" indent="-285750">
+                        <a:buFont typeface="Arial" panose="020B0604020202020204" pitchFamily="34" charset="0"/>
+                        <a:buChar char="•"/>
+                      </a:pPr>
+                      <a:r>
+                        <a:rPr lang="zh-CN" altLang="en-US" sz="1799" kern="1200" dirty="0">
+                          <a:solidFill>
+                            <a:schemeClr val="dk1"/>
+                          </a:solidFill>
+                          <a:effectLst/>
+                          <a:latin typeface="Microsoft YaHei" panose="020B0503020204020204" pitchFamily="34" charset="-122"/>
+                          <a:ea typeface="Microsoft YaHei" panose="020B0503020204020204" pitchFamily="34" charset="-122"/>
+                          <a:cs typeface="+mn-cs"/>
+                        </a:rPr>
+                        <a:t>计划：对</a:t>
+                      </a:r>
+                      <a:r>
+                        <a:rPr lang="en" altLang="zh-CN" sz="1799" kern="1200" dirty="0" err="1">
+                          <a:solidFill>
+                            <a:schemeClr val="dk1"/>
+                          </a:solidFill>
+                          <a:effectLst/>
+                          <a:latin typeface="Microsoft YaHei" panose="020B0503020204020204" pitchFamily="34" charset="-122"/>
+                          <a:ea typeface="Microsoft YaHei" panose="020B0503020204020204" pitchFamily="34" charset="-122"/>
+                          <a:cs typeface="+mn-cs"/>
+                        </a:rPr>
+                        <a:t>Gitea</a:t>
+                      </a:r>
+                      <a:r>
+                        <a:rPr lang="zh-CN" altLang="en-US" sz="1799" kern="1200" dirty="0">
+                          <a:solidFill>
+                            <a:schemeClr val="dk1"/>
+                          </a:solidFill>
+                          <a:effectLst/>
+                          <a:latin typeface="Microsoft YaHei" panose="020B0503020204020204" pitchFamily="34" charset="-122"/>
+                          <a:ea typeface="Microsoft YaHei" panose="020B0503020204020204" pitchFamily="34" charset="-122"/>
+                          <a:cs typeface="+mn-cs"/>
+                        </a:rPr>
+                        <a:t>的自定义通知的需求进行分析和实现的设计。</a:t>
+                      </a:r>
+                    </a:p>
+                    <a:p>
+                      <a:pPr marL="285750" indent="-285750">
+                        <a:buFont typeface="Arial" panose="020B0604020202020204" pitchFamily="34" charset="0"/>
+                        <a:buChar char="•"/>
+                      </a:pPr>
+                      <a:r>
+                        <a:rPr lang="zh-CN" altLang="en-US" sz="1799" kern="1200" dirty="0">
+                          <a:solidFill>
+                            <a:schemeClr val="dk1"/>
+                          </a:solidFill>
+                          <a:effectLst/>
+                          <a:latin typeface="Microsoft YaHei" panose="020B0503020204020204" pitchFamily="34" charset="-122"/>
+                          <a:ea typeface="Microsoft YaHei" panose="020B0503020204020204" pitchFamily="34" charset="-122"/>
+                          <a:cs typeface="+mn-cs"/>
+                        </a:rPr>
+                        <a:t>主要构思是用户可以订阅仓库变更的通知</a:t>
+                      </a:r>
+                    </a:p>
+                    <a:p>
+                      <a:pPr marL="285750" indent="-285750">
+                        <a:buFont typeface="Arial" panose="020B0604020202020204" pitchFamily="34" charset="0"/>
+                        <a:buChar char="•"/>
+                      </a:pPr>
+                      <a:r>
+                        <a:rPr lang="zh-CN" altLang="en-US" sz="1799" kern="1200" dirty="0">
+                          <a:solidFill>
+                            <a:schemeClr val="dk1"/>
+                          </a:solidFill>
+                          <a:effectLst/>
+                          <a:latin typeface="Microsoft YaHei" panose="020B0503020204020204" pitchFamily="34" charset="-122"/>
+                          <a:ea typeface="Microsoft YaHei" panose="020B0503020204020204" pitchFamily="34" charset="-122"/>
+                          <a:cs typeface="+mn-cs"/>
+                        </a:rPr>
+                        <a:t>通知类型可以是微信公众号、邮件、或者</a:t>
+                      </a:r>
+                      <a:r>
+                        <a:rPr lang="en" altLang="zh-CN" sz="1799" kern="1200" dirty="0" err="1">
+                          <a:solidFill>
+                            <a:schemeClr val="dk1"/>
+                          </a:solidFill>
+                          <a:effectLst/>
+                          <a:latin typeface="Microsoft YaHei" panose="020B0503020204020204" pitchFamily="34" charset="-122"/>
+                          <a:ea typeface="Microsoft YaHei" panose="020B0503020204020204" pitchFamily="34" charset="-122"/>
+                          <a:cs typeface="+mn-cs"/>
+                        </a:rPr>
+                        <a:t>WebHook</a:t>
+                      </a:r>
+                      <a:endParaRPr lang="en" altLang="zh-CN" sz="1799" kern="1200" dirty="0">
+                        <a:solidFill>
+                          <a:schemeClr val="dk1"/>
+                        </a:solidFill>
+                        <a:effectLst/>
+                        <a:latin typeface="Microsoft YaHei" panose="020B0503020204020204" pitchFamily="34" charset="-122"/>
+                        <a:ea typeface="Microsoft YaHei" panose="020B0503020204020204" pitchFamily="34" charset="-122"/>
+                        <a:cs typeface="+mn-cs"/>
+                      </a:endParaRPr>
+                    </a:p>
+                    <a:p>
+                      <a:pPr marL="285750" indent="-285750">
+                        <a:buFont typeface="Arial" panose="020B0604020202020204" pitchFamily="34" charset="0"/>
+                        <a:buChar char="•"/>
+                      </a:pPr>
+                      <a:r>
+                        <a:rPr lang="zh-CN" altLang="en-US" sz="1799" kern="1200" dirty="0">
+                          <a:solidFill>
+                            <a:schemeClr val="dk1"/>
+                          </a:solidFill>
+                          <a:effectLst/>
+                          <a:latin typeface="Microsoft YaHei" panose="020B0503020204020204" pitchFamily="34" charset="-122"/>
+                          <a:ea typeface="Microsoft YaHei" panose="020B0503020204020204" pitchFamily="34" charset="-122"/>
+                          <a:cs typeface="+mn-cs"/>
+                        </a:rPr>
+                        <a:t>触发通知的仓库变更可以是新的</a:t>
+                      </a:r>
+                      <a:r>
+                        <a:rPr lang="en" altLang="zh-CN" sz="1799" kern="1200" dirty="0">
+                          <a:solidFill>
+                            <a:schemeClr val="dk1"/>
+                          </a:solidFill>
+                          <a:effectLst/>
+                          <a:latin typeface="Microsoft YaHei" panose="020B0503020204020204" pitchFamily="34" charset="-122"/>
+                          <a:ea typeface="Microsoft YaHei" panose="020B0503020204020204" pitchFamily="34" charset="-122"/>
+                          <a:cs typeface="+mn-cs"/>
+                        </a:rPr>
+                        <a:t>Pull </a:t>
+                      </a:r>
+                      <a:r>
+                        <a:rPr lang="en" altLang="zh-CN" sz="1799" kern="1200" dirty="0" err="1">
+                          <a:solidFill>
+                            <a:schemeClr val="dk1"/>
+                          </a:solidFill>
+                          <a:effectLst/>
+                          <a:latin typeface="Microsoft YaHei" panose="020B0503020204020204" pitchFamily="34" charset="-122"/>
+                          <a:ea typeface="Microsoft YaHei" panose="020B0503020204020204" pitchFamily="34" charset="-122"/>
+                          <a:cs typeface="+mn-cs"/>
+                        </a:rPr>
+                        <a:t>Reqest</a:t>
+                      </a:r>
+                      <a:r>
+                        <a:rPr lang="zh-CN" altLang="en" sz="1799" kern="1200" dirty="0">
+                          <a:solidFill>
+                            <a:schemeClr val="dk1"/>
+                          </a:solidFill>
+                          <a:effectLst/>
+                          <a:latin typeface="Microsoft YaHei" panose="020B0503020204020204" pitchFamily="34" charset="-122"/>
+                          <a:ea typeface="Microsoft YaHei" panose="020B0503020204020204" pitchFamily="34" charset="-122"/>
+                          <a:cs typeface="+mn-cs"/>
+                        </a:rPr>
+                        <a:t>、</a:t>
+                      </a:r>
+                      <a:r>
+                        <a:rPr lang="zh-CN" altLang="en-US" sz="1799" kern="1200" dirty="0">
+                          <a:solidFill>
+                            <a:schemeClr val="dk1"/>
+                          </a:solidFill>
+                          <a:effectLst/>
+                          <a:latin typeface="Microsoft YaHei" panose="020B0503020204020204" pitchFamily="34" charset="-122"/>
+                          <a:ea typeface="Microsoft YaHei" panose="020B0503020204020204" pitchFamily="34" charset="-122"/>
+                          <a:cs typeface="+mn-cs"/>
+                        </a:rPr>
+                        <a:t>新</a:t>
+                      </a:r>
+                      <a:r>
+                        <a:rPr lang="en" altLang="zh-CN" sz="1799" kern="1200" dirty="0">
+                          <a:solidFill>
+                            <a:schemeClr val="dk1"/>
+                          </a:solidFill>
+                          <a:effectLst/>
+                          <a:latin typeface="Microsoft YaHei" panose="020B0503020204020204" pitchFamily="34" charset="-122"/>
+                          <a:ea typeface="Microsoft YaHei" panose="020B0503020204020204" pitchFamily="34" charset="-122"/>
+                          <a:cs typeface="+mn-cs"/>
+                        </a:rPr>
+                        <a:t>Issue</a:t>
+                      </a:r>
+                      <a:r>
+                        <a:rPr lang="zh-CN" altLang="en" sz="1799" kern="1200" dirty="0">
+                          <a:solidFill>
+                            <a:schemeClr val="dk1"/>
+                          </a:solidFill>
+                          <a:effectLst/>
+                          <a:latin typeface="Microsoft YaHei" panose="020B0503020204020204" pitchFamily="34" charset="-122"/>
+                          <a:ea typeface="Microsoft YaHei" panose="020B0503020204020204" pitchFamily="34" charset="-122"/>
+                          <a:cs typeface="+mn-cs"/>
+                        </a:rPr>
+                        <a:t>，</a:t>
+                      </a:r>
+                      <a:r>
+                        <a:rPr lang="zh-CN" altLang="en-US" sz="1799" kern="1200" dirty="0">
+                          <a:solidFill>
+                            <a:schemeClr val="dk1"/>
+                          </a:solidFill>
+                          <a:effectLst/>
+                          <a:latin typeface="Microsoft YaHei" panose="020B0503020204020204" pitchFamily="34" charset="-122"/>
+                          <a:ea typeface="Microsoft YaHei" panose="020B0503020204020204" pitchFamily="34" charset="-122"/>
+                          <a:cs typeface="+mn-cs"/>
+                        </a:rPr>
+                        <a:t>用户可以在仓库界面上选择通知的类型</a:t>
+                      </a:r>
+                    </a:p>
+                    <a:p>
+                      <a:pPr marL="285750" indent="-285750">
+                        <a:buFont typeface="Arial" panose="020B0604020202020204" pitchFamily="34" charset="0"/>
+                        <a:buChar char="•"/>
+                      </a:pPr>
+                      <a:r>
+                        <a:rPr lang="zh-CN" altLang="en-US" sz="1799" kern="1200" dirty="0">
+                          <a:solidFill>
+                            <a:schemeClr val="dk1"/>
+                          </a:solidFill>
+                          <a:effectLst/>
+                          <a:latin typeface="Microsoft YaHei" panose="020B0503020204020204" pitchFamily="34" charset="-122"/>
+                          <a:ea typeface="Microsoft YaHei" panose="020B0503020204020204" pitchFamily="34" charset="-122"/>
+                          <a:cs typeface="+mn-cs"/>
+                        </a:rPr>
+                        <a:t>用户在个人设置界面配置通知方式，支持微信公众号通知、邮件通知、</a:t>
+                      </a:r>
+                      <a:r>
+                        <a:rPr lang="en" altLang="zh-CN" sz="1799" kern="1200" dirty="0" err="1">
+                          <a:solidFill>
+                            <a:schemeClr val="dk1"/>
+                          </a:solidFill>
+                          <a:effectLst/>
+                          <a:latin typeface="Microsoft YaHei" panose="020B0503020204020204" pitchFamily="34" charset="-122"/>
+                          <a:ea typeface="Microsoft YaHei" panose="020B0503020204020204" pitchFamily="34" charset="-122"/>
+                          <a:cs typeface="+mn-cs"/>
+                        </a:rPr>
+                        <a:t>WebHook</a:t>
+                      </a:r>
+                      <a:r>
+                        <a:rPr lang="zh-CN" altLang="en-US" sz="1799" kern="1200" dirty="0">
+                          <a:solidFill>
+                            <a:schemeClr val="dk1"/>
+                          </a:solidFill>
+                          <a:effectLst/>
+                          <a:latin typeface="Microsoft YaHei" panose="020B0503020204020204" pitchFamily="34" charset="-122"/>
+                          <a:ea typeface="Microsoft YaHei" panose="020B0503020204020204" pitchFamily="34" charset="-122"/>
+                          <a:cs typeface="+mn-cs"/>
+                        </a:rPr>
+                        <a:t>通知</a:t>
+                      </a:r>
+                    </a:p>
+                  </a:txBody>
+                  <a:tcPr/>
+                </a:tc>
+                <a:extLst>
+                  <a:ext uri="{0D108BD9-81ED-4DB2-BD59-A6C34878D82A}">
+                    <a16:rowId xmlns:a16="http://schemas.microsoft.com/office/drawing/2014/main" val="3269796269"/>
+                  </a:ext>
+                </a:extLst>
+              </a:tr>
+            </a:tbl>
+          </a:graphicData>
+        </a:graphic>
+      </p:graphicFrame>
+    </p:spTree>
+    <p:extLst>
+      <p:ext uri="{BB962C8B-B14F-4D97-AF65-F5344CB8AC3E}">
+        <p14:creationId xmlns:p14="http://schemas.microsoft.com/office/powerpoint/2010/main" val="836978272"/>
+      </p:ext>
+    </p:extLst>
+  </p:cSld>
+  <p:clrMapOvr>
+    <a:masterClrMapping/>
+  </p:clrMapOvr>
+  <mc:AlternateContent xmlns:mc="http://schemas.openxmlformats.org/markup-compatibility/2006" xmlns:p14="http://schemas.microsoft.com/office/powerpoint/2010/main">
+    <mc:Choice Requires="p14">
+      <p:transition spd="slow" p14:dur="2000" advTm="3000"/>
+    </mc:Choice>
+    <mc:Fallback xmlns="">
+      <p:transition spd="slow" advTm="3000"/>
+    </mc:Fallback>
+  </mc:AlternateContent>
+</p:sld>
+</file>
+
+<file path=ppt/slides/slide14.xml><?xml version="1.0" encoding="utf-8"?>
 <p:sld xmlns:a="http://schemas.openxmlformats.org/drawingml/2006/main" xmlns:r="http://schemas.openxmlformats.org/officeDocument/2006/relationships" xmlns:p="http://schemas.openxmlformats.org/presentationml/2006/main">
   <p:cSld>
     <p:spTree>
@@ -10703,7 +12758,7 @@
                       <a:cs typeface="+mn-ea"/>
                       <a:sym typeface="Arial" panose="020B0604020202020204" pitchFamily="34" charset="0"/>
                     </a:rPr>
-                    <a:t>工作方向</a:t>
+                    <a:t>项目准备</a:t>
                   </a:r>
                 </a:p>
               </p:txBody>
@@ -11001,7 +13056,7 @@
                       <a:cs typeface="+mn-ea"/>
                       <a:sym typeface="Arial" panose="020B0604020202020204" pitchFamily="34" charset="0"/>
                     </a:rPr>
-                    <a:t>人员分工</a:t>
+                    <a:t>需求分析</a:t>
                   </a:r>
                 </a:p>
               </p:txBody>
@@ -13752,7 +15807,7 @@
         <p:spPr>
           <a:xfrm>
             <a:off x="1096588" y="1180164"/>
-            <a:ext cx="9995647" cy="5677836"/>
+            <a:ext cx="9995647" cy="5013039"/>
           </a:xfrm>
           <a:prstGeom prst="rect">
             <a:avLst/>
@@ -13875,47 +15930,6 @@
               </a:rPr>
               <a:t>实现进行建模</a:t>
             </a:r>
-          </a:p>
-          <a:p>
-            <a:pPr>
-              <a:lnSpc>
-                <a:spcPct val="150000"/>
-              </a:lnSpc>
-              <a:spcBef>
-                <a:spcPct val="30000"/>
-              </a:spcBef>
-              <a:buFont typeface="Calibri Light" panose="020F0302020204030204" pitchFamily="34" charset="0"/>
-              <a:buAutoNum type="arabicPeriod"/>
-            </a:pPr>
-            <a:r>
-              <a:rPr lang="zh-CN" altLang="en-US" sz="2400" dirty="0">
-                <a:latin typeface="Microsoft YaHei" panose="020B0503020204020204" pitchFamily="34" charset="-122"/>
-                <a:ea typeface="Microsoft YaHei" panose="020B0503020204020204" pitchFamily="34" charset="-122"/>
-                <a:cs typeface="Times New Roman" panose="02020603050405020304" pitchFamily="18" charset="0"/>
-              </a:rPr>
-              <a:t>分析</a:t>
-            </a:r>
-            <a:r>
-              <a:rPr lang="en-US" altLang="zh-CN" sz="2400" dirty="0" err="1">
-                <a:latin typeface="Microsoft YaHei" panose="020B0503020204020204" pitchFamily="34" charset="-122"/>
-                <a:ea typeface="Microsoft YaHei" panose="020B0503020204020204" pitchFamily="34" charset="-122"/>
-                <a:cs typeface="Times New Roman" panose="02020603050405020304" pitchFamily="18" charset="0"/>
-              </a:rPr>
-              <a:t>gitea</a:t>
-            </a:r>
-            <a:r>
-              <a:rPr lang="zh-CN" altLang="en-US" sz="2400" dirty="0">
-                <a:latin typeface="Microsoft YaHei" panose="020B0503020204020204" pitchFamily="34" charset="-122"/>
-                <a:ea typeface="Microsoft YaHei" panose="020B0503020204020204" pitchFamily="34" charset="-122"/>
-                <a:cs typeface="Times New Roman" panose="02020603050405020304" pitchFamily="18" charset="0"/>
-              </a:rPr>
-              <a:t>实现的不足和缺陷</a:t>
-            </a:r>
-            <a:endParaRPr lang="en-US" altLang="zh-CN" sz="2400" dirty="0">
-              <a:latin typeface="Microsoft YaHei" panose="020B0503020204020204" pitchFamily="34" charset="-122"/>
-              <a:ea typeface="Microsoft YaHei" panose="020B0503020204020204" pitchFamily="34" charset="-122"/>
-              <a:cs typeface="Times New Roman" panose="02020603050405020304" pitchFamily="18" charset="0"/>
-            </a:endParaRPr>
           </a:p>
           <a:p>
             <a:pPr>
